--- a/se-lab-ppt.pptx
+++ b/se-lab-ppt.pptx
@@ -4886,7 +4886,7 @@
           <a:p>
             <a:fld id="{34180F06-E0DC-4EE3-87CC-13EFD3DCF758}" type="datetime1">
               <a:rPr lang="en-US" smtClean="0"/>
-              <a:t>5/15/2025</a:t>
+              <a:t>6/10/2025</a:t>
             </a:fld>
             <a:endParaRPr lang="en-US"/>
           </a:p>
@@ -5095,7 +5095,7 @@
           <a:p>
             <a:fld id="{F7E01AD6-9AAC-452E-AB6B-E37F410EF9E4}" type="datetime1">
               <a:rPr lang="en-US" smtClean="0"/>
-              <a:t>5/15/2025</a:t>
+              <a:t>6/10/2025</a:t>
             </a:fld>
             <a:endParaRPr lang="en-US"/>
           </a:p>
@@ -5314,7 +5314,7 @@
           <a:p>
             <a:fld id="{D924E06F-904B-463E-90EC-981B753D1E01}" type="datetime1">
               <a:rPr lang="en-US" smtClean="0"/>
-              <a:t>5/15/2025</a:t>
+              <a:t>6/10/2025</a:t>
             </a:fld>
             <a:endParaRPr lang="en-US"/>
           </a:p>
@@ -5523,7 +5523,7 @@
           <a:p>
             <a:fld id="{7D5F056A-0A36-494E-84D6-50EC59491478}" type="datetime1">
               <a:rPr lang="en-US" smtClean="0"/>
-              <a:t>5/15/2025</a:t>
+              <a:t>6/10/2025</a:t>
             </a:fld>
             <a:endParaRPr lang="en-US"/>
           </a:p>
@@ -5808,7 +5808,7 @@
           <a:p>
             <a:fld id="{046D6E94-A030-4F2D-8286-532CD28C210A}" type="datetime1">
               <a:rPr lang="en-US" smtClean="0"/>
-              <a:t>5/15/2025</a:t>
+              <a:t>6/10/2025</a:t>
             </a:fld>
             <a:endParaRPr lang="en-US"/>
           </a:p>
@@ -6085,7 +6085,7 @@
           <a:p>
             <a:fld id="{B36D2D96-FE9E-4CBC-A309-E2C2C2450135}" type="datetime1">
               <a:rPr lang="en-US" smtClean="0"/>
-              <a:t>5/15/2025</a:t>
+              <a:t>6/10/2025</a:t>
             </a:fld>
             <a:endParaRPr lang="en-US"/>
           </a:p>
@@ -6509,7 +6509,7 @@
           <a:p>
             <a:fld id="{0B9FBEAD-D86A-4836-BDB4-62AE0F8E0709}" type="datetime1">
               <a:rPr lang="en-US" smtClean="0"/>
-              <a:t>5/15/2025</a:t>
+              <a:t>6/10/2025</a:t>
             </a:fld>
             <a:endParaRPr lang="en-US"/>
           </a:p>
@@ -6660,7 +6660,7 @@
           <a:p>
             <a:fld id="{52895D39-D238-46EF-B717-94094E26B03F}" type="datetime1">
               <a:rPr lang="en-US" smtClean="0"/>
-              <a:t>5/15/2025</a:t>
+              <a:t>6/10/2025</a:t>
             </a:fld>
             <a:endParaRPr lang="en-US"/>
           </a:p>
@@ -6782,7 +6782,7 @@
           <a:p>
             <a:fld id="{1F4C0506-8C72-4281-B7DE-64218323E3AD}" type="datetime1">
               <a:rPr lang="en-US" smtClean="0"/>
-              <a:t>5/15/2025</a:t>
+              <a:t>6/10/2025</a:t>
             </a:fld>
             <a:endParaRPr lang="en-US"/>
           </a:p>
@@ -7104,7 +7104,7 @@
           <a:p>
             <a:fld id="{A690B300-98E9-4547-8EAF-4F6636ED984E}" type="datetime1">
               <a:rPr lang="en-US" smtClean="0"/>
-              <a:t>5/15/2025</a:t>
+              <a:t>6/10/2025</a:t>
             </a:fld>
             <a:endParaRPr lang="en-US"/>
           </a:p>
@@ -7402,7 +7402,7 @@
           <a:p>
             <a:fld id="{81416B01-9D9E-4E38-A7AB-774CFF697F4B}" type="datetime1">
               <a:rPr lang="en-US" smtClean="0"/>
-              <a:t>5/15/2025</a:t>
+              <a:t>6/10/2025</a:t>
             </a:fld>
             <a:endParaRPr lang="en-US"/>
           </a:p>
@@ -7655,7 +7655,7 @@
           <a:p>
             <a:fld id="{81416B01-9D9E-4E38-A7AB-774CFF697F4B}" type="datetime1">
               <a:rPr lang="en-US" smtClean="0"/>
-              <a:t>5/15/2025</a:t>
+              <a:t>6/10/2025</a:t>
             </a:fld>
             <a:endParaRPr lang="en-US"/>
           </a:p>
@@ -8091,7 +8091,7 @@
         <p:spPr>
           <a:xfrm>
             <a:off x="664007" y="2699263"/>
-            <a:ext cx="7970838" cy="1179513"/>
+            <a:ext cx="7970838" cy="1536835"/>
           </a:xfrm>
           <a:prstGeom prst="roundRect">
             <a:avLst>
@@ -8119,7 +8119,7 @@
               <a:buNone/>
             </a:pPr>
             <a:r>
-              <a:rPr lang="en-US" sz="1800" b="1" kern="1400" spc="-50" dirty="0">
+              <a:rPr lang="en-US" sz="2800" b="1" kern="1400" spc="-50" dirty="0">
                 <a:latin typeface="Times New Roman" panose="02020603050405020304" pitchFamily="18" charset="0"/>
                 <a:ea typeface="Times New Roman" panose="02020603050405020304" pitchFamily="18" charset="0"/>
                 <a:cs typeface="Times New Roman" panose="02020603050405020304" pitchFamily="18" charset="0"/>
@@ -8132,7 +8132,7 @@
               <a:buNone/>
             </a:pPr>
             <a:r>
-              <a:rPr lang="en-US" sz="1800" b="1" kern="1400" spc="-50" dirty="0">
+              <a:rPr lang="en-US" sz="2800" b="1" kern="1400" spc="-50" dirty="0">
                 <a:latin typeface="Times New Roman" panose="02020603050405020304" pitchFamily="18" charset="0"/>
                 <a:ea typeface="Times New Roman" panose="02020603050405020304" pitchFamily="18" charset="0"/>
                 <a:cs typeface="Times New Roman" panose="02020603050405020304" pitchFamily="18" charset="0"/>
@@ -8145,14 +8145,14 @@
               <a:buNone/>
             </a:pPr>
             <a:r>
-              <a:rPr lang="en-US" sz="1800" b="1" kern="1400" spc="-50" dirty="0">
+              <a:rPr lang="en-US" sz="2800" b="1" kern="1400" spc="-50" dirty="0">
                 <a:latin typeface="Times New Roman" panose="02020603050405020304" pitchFamily="18" charset="0"/>
                 <a:ea typeface="Times New Roman" panose="02020603050405020304" pitchFamily="18" charset="0"/>
                 <a:cs typeface="Times New Roman" panose="02020603050405020304" pitchFamily="18" charset="0"/>
               </a:rPr>
               <a:t>MESSAGING &amp; PREMIUM FEATURES</a:t>
             </a:r>
-            <a:endParaRPr sz="2800" b="1" i="0" u="none" strike="noStrike" cap="none" dirty="0">
+            <a:endParaRPr sz="4000" b="1" i="0" u="none" strike="noStrike" cap="none" dirty="0">
               <a:solidFill>
                 <a:srgbClr val="00B050"/>
               </a:solidFill>
@@ -9089,7 +9089,7 @@
                 <a:cs typeface="Arial"/>
                 <a:sym typeface="Arial"/>
               </a:rPr>
-              <a:t>5/15/2025</a:t>
+              <a:t>6/10/2025</a:t>
             </a:fld>
             <a:endParaRPr sz="1200" b="0" i="0" u="none" strike="noStrike" cap="none" dirty="0">
               <a:solidFill>
@@ -9902,7 +9902,7 @@
                 <a:sym typeface="Arial"/>
               </a:rPr>
               <a:pPr/>
-              <a:t>5/15/2025</a:t>
+              <a:t>6/10/2025</a:t>
             </a:fld>
             <a:endParaRPr lang="en-IN" dirty="0"/>
           </a:p>
@@ -10571,7 +10571,7 @@
                 <a:sym typeface="Arial"/>
               </a:rPr>
               <a:pPr/>
-              <a:t>5/15/2025</a:t>
+              <a:t>6/10/2025</a:t>
             </a:fld>
             <a:endParaRPr lang="en-IN" dirty="0"/>
           </a:p>
@@ -10789,7 +10789,7 @@
           <a:p>
             <a:fld id="{B36D2D96-FE9E-4CBC-A309-E2C2C2450135}" type="datetime1">
               <a:rPr lang="en-US" smtClean="0"/>
-              <a:t>5/15/2025</a:t>
+              <a:t>6/10/2025</a:t>
             </a:fld>
             <a:endParaRPr lang="en-US"/>
           </a:p>
@@ -12354,7 +12354,7 @@
                 <a:cs typeface="Arial"/>
                 <a:sym typeface="Arial"/>
               </a:rPr>
-              <a:t>5/15/2025</a:t>
+              <a:t>6/10/2025</a:t>
             </a:fld>
             <a:endParaRPr sz="1200" b="0" i="0" u="none" strike="noStrike" cap="none" dirty="0">
               <a:solidFill>
@@ -12634,7 +12634,7 @@
                 <a:sym typeface="Arial"/>
               </a:rPr>
               <a:pPr/>
-              <a:t>5/15/2025</a:t>
+              <a:t>6/10/2025</a:t>
             </a:fld>
             <a:endParaRPr lang="en-IN" dirty="0"/>
           </a:p>
@@ -13061,7 +13061,7 @@
                 <a:sym typeface="Arial"/>
               </a:rPr>
               <a:pPr/>
-              <a:t>5/15/2025</a:t>
+              <a:t>6/10/2025</a:t>
             </a:fld>
             <a:endParaRPr lang="en-IN" dirty="0"/>
           </a:p>
@@ -13895,7 +13895,7 @@
                 <a:cs typeface="Arial"/>
                 <a:sym typeface="Arial"/>
               </a:rPr>
-              <a:t>5/15/2025</a:t>
+              <a:t>6/10/2025</a:t>
             </a:fld>
             <a:endParaRPr sz="1200" b="0" i="0" u="none" strike="noStrike" cap="none" dirty="0">
               <a:solidFill>
@@ -14512,7 +14512,7 @@
                 <a:cs typeface="Arial"/>
                 <a:sym typeface="Arial"/>
               </a:rPr>
-              <a:t>5/15/2025</a:t>
+              <a:t>6/10/2025</a:t>
             </a:fld>
             <a:endParaRPr sz="1200" b="0" i="0" u="none" strike="noStrike" cap="none" dirty="0">
               <a:solidFill>
@@ -15207,7 +15207,7 @@
                 <a:cs typeface="Arial"/>
                 <a:sym typeface="Arial"/>
               </a:rPr>
-              <a:t>5/15/2025</a:t>
+              <a:t>6/10/2025</a:t>
             </a:fld>
             <a:endParaRPr sz="1200" b="0" i="0" u="none" strike="noStrike" cap="none" dirty="0">
               <a:solidFill>
@@ -15302,7 +15302,7 @@
                 <a:cs typeface="Arial"/>
                 <a:sym typeface="Arial"/>
               </a:rPr>
-              <a:t>5/15/2025</a:t>
+              <a:t>6/10/2025</a:t>
             </a:fld>
             <a:endParaRPr sz="1200" b="0" i="0" u="none" strike="noStrike" cap="none">
               <a:solidFill>
@@ -15594,8 +15594,8 @@
         </p:nvSpPr>
         <p:spPr>
           <a:xfrm>
-            <a:off x="363893" y="1209730"/>
-            <a:ext cx="8117633" cy="4535601"/>
+            <a:off x="363891" y="1069770"/>
+            <a:ext cx="8117633" cy="4093428"/>
           </a:xfrm>
           <a:prstGeom prst="rect">
             <a:avLst/>
@@ -15608,338 +15608,63 @@
           </a:bodyPr>
           <a:lstStyle/>
           <a:p>
-            <a:pPr marL="342900" indent="-342900" algn="just">
-              <a:lnSpc>
-                <a:spcPct val="107000"/>
-              </a:lnSpc>
-              <a:spcAft>
-                <a:spcPts val="800"/>
-              </a:spcAft>
-              <a:buFont typeface="Arial" panose="020B0604020202020204" pitchFamily="34" charset="0"/>
-              <a:buChar char="•"/>
-            </a:pPr>
             <a:r>
               <a:rPr lang="en-US" sz="2000" dirty="0">
                 <a:latin typeface="Times New Roman" panose="02020603050405020304" pitchFamily="18" charset="0"/>
-                <a:cs typeface="Times New Roman" panose="02020603050405020304" pitchFamily="18" charset="0"/>
-              </a:rPr>
-              <a:t>In today’s fast-paced world, </a:t>
+                <a:ea typeface="Tahoma" panose="020B0604030504040204" pitchFamily="34" charset="0"/>
+                <a:cs typeface="Times New Roman" panose="02020603050405020304" pitchFamily="18" charset="0"/>
+              </a:rPr>
+              <a:t>Today, many people enjoy dining out, but current restaurant booking systems still have problems. Most systems don’t let users choose seats in real time, don’t allow ordering food in advance, and don’t send clear booking updates. This often causes delays, confusion, or overbooking—especially when restaurants are </a:t>
+            </a:r>
+            <a:r>
+              <a:rPr lang="en-US" sz="2000" dirty="0" err="1">
+                <a:latin typeface="Times New Roman" panose="02020603050405020304" pitchFamily="18" charset="0"/>
+                <a:ea typeface="Tahoma" panose="020B0604030504040204" pitchFamily="34" charset="0"/>
+                <a:cs typeface="Times New Roman" panose="02020603050405020304" pitchFamily="18" charset="0"/>
+              </a:rPr>
+              <a:t>busy.Many</a:t>
+            </a:r>
+            <a:r>
+              <a:rPr lang="en-US" sz="2000" dirty="0">
+                <a:latin typeface="Times New Roman" panose="02020603050405020304" pitchFamily="18" charset="0"/>
+                <a:ea typeface="Tahoma" panose="020B0604030504040204" pitchFamily="34" charset="0"/>
+                <a:cs typeface="Times New Roman" panose="02020603050405020304" pitchFamily="18" charset="0"/>
+              </a:rPr>
+              <a:t> systems also don’t show nearby restaurants based on your location or give special perks during off-peak hours</a:t>
             </a:r>
             <a:r>
               <a:rPr lang="en-US" sz="2000" dirty="0" smtClean="0">
                 <a:latin typeface="Times New Roman" panose="02020603050405020304" pitchFamily="18" charset="0"/>
-                <a:cs typeface="Times New Roman" panose="02020603050405020304" pitchFamily="18" charset="0"/>
-              </a:rPr>
-              <a:t>Most </a:t>
-            </a:r>
-            <a:r>
-              <a:rPr lang="en-US" sz="2000" dirty="0">
-                <a:latin typeface="Times New Roman" panose="02020603050405020304" pitchFamily="18" charset="0"/>
-                <a:cs typeface="Times New Roman" panose="02020603050405020304" pitchFamily="18" charset="0"/>
-              </a:rPr>
-              <a:t>systems lack smart features like </a:t>
-            </a:r>
+                <a:ea typeface="Tahoma" panose="020B0604030504040204" pitchFamily="34" charset="0"/>
+                <a:cs typeface="Times New Roman" panose="02020603050405020304" pitchFamily="18" charset="0"/>
+              </a:rPr>
+              <a:t>.</a:t>
+            </a:r>
+          </a:p>
+          <a:p>
             <a:endParaRPr lang="en-US" sz="2000" dirty="0" smtClean="0">
               <a:latin typeface="Times New Roman" panose="02020603050405020304" pitchFamily="18" charset="0"/>
+              <a:ea typeface="Tahoma" panose="020B0604030504040204" pitchFamily="34" charset="0"/>
               <a:cs typeface="Times New Roman" panose="02020603050405020304" pitchFamily="18" charset="0"/>
             </a:endParaRPr>
           </a:p>
           <a:p>
-            <a:pPr lvl="3" algn="just">
-              <a:lnSpc>
-                <a:spcPct val="107000"/>
-              </a:lnSpc>
-              <a:spcAft>
-                <a:spcPts val="800"/>
-              </a:spcAft>
-            </a:pPr>
-            <a:r>
-              <a:rPr lang="en-US" sz="2000" b="1" dirty="0" smtClean="0">
-                <a:latin typeface="Times New Roman" panose="02020603050405020304" pitchFamily="18" charset="0"/>
-                <a:cs typeface="Times New Roman" panose="02020603050405020304" pitchFamily="18" charset="0"/>
-              </a:rPr>
-              <a:t>	food </a:t>
-            </a:r>
-            <a:r>
-              <a:rPr lang="en-US" sz="2000" b="1" dirty="0">
-                <a:latin typeface="Times New Roman" panose="02020603050405020304" pitchFamily="18" charset="0"/>
-                <a:cs typeface="Times New Roman" panose="02020603050405020304" pitchFamily="18" charset="0"/>
-              </a:rPr>
-              <a:t>pre-ordering, </a:t>
-            </a:r>
-            <a:endParaRPr lang="en-US" sz="2000" b="1" dirty="0" smtClean="0">
-              <a:latin typeface="Times New Roman" panose="02020603050405020304" pitchFamily="18" charset="0"/>
-              <a:cs typeface="Times New Roman" panose="02020603050405020304" pitchFamily="18" charset="0"/>
-            </a:endParaRPr>
-          </a:p>
-          <a:p>
-            <a:pPr lvl="3" algn="just">
-              <a:lnSpc>
-                <a:spcPct val="107000"/>
-              </a:lnSpc>
-              <a:spcAft>
-                <a:spcPts val="800"/>
-              </a:spcAft>
-            </a:pPr>
-            <a:r>
-              <a:rPr lang="en-US" sz="2000" b="1" dirty="0">
-                <a:latin typeface="Times New Roman" panose="02020603050405020304" pitchFamily="18" charset="0"/>
-                <a:cs typeface="Times New Roman" panose="02020603050405020304" pitchFamily="18" charset="0"/>
-              </a:rPr>
-              <a:t>	</a:t>
-            </a:r>
-            <a:r>
-              <a:rPr lang="en-US" sz="2000" b="1" dirty="0" smtClean="0">
-                <a:latin typeface="Times New Roman" panose="02020603050405020304" pitchFamily="18" charset="0"/>
-                <a:cs typeface="Times New Roman" panose="02020603050405020304" pitchFamily="18" charset="0"/>
-              </a:rPr>
-              <a:t>live </a:t>
-            </a:r>
-            <a:r>
-              <a:rPr lang="en-US" sz="2000" b="1" dirty="0">
-                <a:latin typeface="Times New Roman" panose="02020603050405020304" pitchFamily="18" charset="0"/>
-                <a:cs typeface="Times New Roman" panose="02020603050405020304" pitchFamily="18" charset="0"/>
-              </a:rPr>
-              <a:t>booking updates, </a:t>
+            <a:r>
+              <a:rPr lang="en-US" sz="2000" dirty="0" smtClean="0">
+                <a:latin typeface="Times New Roman" panose="02020603050405020304" pitchFamily="18" charset="0"/>
+                <a:ea typeface="Tahoma" panose="020B0604030504040204" pitchFamily="34" charset="0"/>
+                <a:cs typeface="Times New Roman" panose="02020603050405020304" pitchFamily="18" charset="0"/>
+              </a:rPr>
+              <a:t>This </a:t>
             </a:r>
             <a:r>
               <a:rPr lang="en-US" sz="2000" dirty="0">
                 <a:latin typeface="Times New Roman" panose="02020603050405020304" pitchFamily="18" charset="0"/>
-                <a:cs typeface="Times New Roman" panose="02020603050405020304" pitchFamily="18" charset="0"/>
-              </a:rPr>
-              <a:t>and</a:t>
-            </a:r>
-            <a:r>
-              <a:rPr lang="en-US" sz="2000" b="1" dirty="0">
-                <a:latin typeface="Times New Roman" panose="02020603050405020304" pitchFamily="18" charset="0"/>
-                <a:cs typeface="Times New Roman" panose="02020603050405020304" pitchFamily="18" charset="0"/>
-              </a:rPr>
-              <a:t> </a:t>
-            </a:r>
-            <a:endParaRPr lang="en-US" sz="2000" b="1" dirty="0" smtClean="0">
-              <a:latin typeface="Times New Roman" panose="02020603050405020304" pitchFamily="18" charset="0"/>
-              <a:cs typeface="Times New Roman" panose="02020603050405020304" pitchFamily="18" charset="0"/>
-            </a:endParaRPr>
-          </a:p>
-          <a:p>
-            <a:pPr lvl="3" algn="just">
-              <a:lnSpc>
-                <a:spcPct val="107000"/>
-              </a:lnSpc>
-              <a:spcAft>
-                <a:spcPts val="800"/>
-              </a:spcAft>
-            </a:pPr>
-            <a:r>
-              <a:rPr lang="en-US" sz="2000" b="1" dirty="0">
-                <a:latin typeface="Times New Roman" panose="02020603050405020304" pitchFamily="18" charset="0"/>
-                <a:cs typeface="Times New Roman" panose="02020603050405020304" pitchFamily="18" charset="0"/>
-              </a:rPr>
-              <a:t>	</a:t>
-            </a:r>
-            <a:r>
-              <a:rPr lang="en-US" sz="2000" b="1" dirty="0" smtClean="0">
-                <a:latin typeface="Times New Roman" panose="02020603050405020304" pitchFamily="18" charset="0"/>
-                <a:cs typeface="Times New Roman" panose="02020603050405020304" pitchFamily="18" charset="0"/>
-              </a:rPr>
-              <a:t>intelligent </a:t>
-            </a:r>
-            <a:r>
-              <a:rPr lang="en-US" sz="2000" b="1" dirty="0">
-                <a:latin typeface="Times New Roman" panose="02020603050405020304" pitchFamily="18" charset="0"/>
-                <a:cs typeface="Times New Roman" panose="02020603050405020304" pitchFamily="18" charset="0"/>
-              </a:rPr>
-              <a:t>user </a:t>
-            </a:r>
-            <a:r>
-              <a:rPr lang="en-US" sz="2000" b="1" dirty="0" smtClean="0">
-                <a:latin typeface="Times New Roman" panose="02020603050405020304" pitchFamily="18" charset="0"/>
-                <a:cs typeface="Times New Roman" panose="02020603050405020304" pitchFamily="18" charset="0"/>
-              </a:rPr>
-              <a:t>engagement</a:t>
-            </a:r>
-            <a:r>
-              <a:rPr lang="en-US" sz="2000" dirty="0" smtClean="0">
-                <a:latin typeface="Times New Roman" panose="02020603050405020304" pitchFamily="18" charset="0"/>
-                <a:cs typeface="Times New Roman" panose="02020603050405020304" pitchFamily="18" charset="0"/>
-              </a:rPr>
-              <a:t>.</a:t>
-            </a:r>
-          </a:p>
-          <a:p>
-            <a:pPr marL="342900" indent="-342900" algn="just">
-              <a:lnSpc>
-                <a:spcPct val="107000"/>
-              </a:lnSpc>
-              <a:spcAft>
-                <a:spcPts val="800"/>
-              </a:spcAft>
-              <a:buFont typeface="Arial" panose="020B0604020202020204" pitchFamily="34" charset="0"/>
-              <a:buChar char="•"/>
-            </a:pPr>
-            <a:r>
-              <a:rPr lang="en-US" sz="2000" dirty="0" smtClean="0">
-                <a:latin typeface="Times New Roman" panose="02020603050405020304" pitchFamily="18" charset="0"/>
-                <a:cs typeface="Times New Roman" panose="02020603050405020304" pitchFamily="18" charset="0"/>
-              </a:rPr>
-              <a:t>To </a:t>
-            </a:r>
-            <a:r>
-              <a:rPr lang="en-US" sz="2000" dirty="0">
-                <a:latin typeface="Times New Roman" panose="02020603050405020304" pitchFamily="18" charset="0"/>
-                <a:cs typeface="Times New Roman" panose="02020603050405020304" pitchFamily="18" charset="0"/>
-              </a:rPr>
-              <a:t>overcome these issues, this project introduces a Smart Restaurant Seat Booking System that integrates </a:t>
-            </a:r>
-            <a:endParaRPr lang="en-US" sz="2000" dirty="0" smtClean="0">
-              <a:latin typeface="Times New Roman" panose="02020603050405020304" pitchFamily="18" charset="0"/>
-              <a:cs typeface="Times New Roman" panose="02020603050405020304" pitchFamily="18" charset="0"/>
-            </a:endParaRPr>
-          </a:p>
-          <a:p>
-            <a:pPr lvl="2" algn="just">
-              <a:lnSpc>
-                <a:spcPct val="107000"/>
-              </a:lnSpc>
-              <a:spcAft>
-                <a:spcPts val="800"/>
-              </a:spcAft>
-            </a:pPr>
-            <a:r>
-              <a:rPr lang="en-US" sz="2000" b="1" dirty="0">
-                <a:latin typeface="Times New Roman" panose="02020603050405020304" pitchFamily="18" charset="0"/>
-                <a:cs typeface="Times New Roman" panose="02020603050405020304" pitchFamily="18" charset="0"/>
-              </a:rPr>
-              <a:t>	</a:t>
-            </a:r>
-            <a:r>
-              <a:rPr lang="en-US" sz="2000" b="1" dirty="0" smtClean="0">
-                <a:latin typeface="Times New Roman" panose="02020603050405020304" pitchFamily="18" charset="0"/>
-                <a:cs typeface="Times New Roman" panose="02020603050405020304" pitchFamily="18" charset="0"/>
-              </a:rPr>
-              <a:t>live </a:t>
-            </a:r>
-            <a:r>
-              <a:rPr lang="en-US" sz="2000" b="1" dirty="0">
-                <a:latin typeface="Times New Roman" panose="02020603050405020304" pitchFamily="18" charset="0"/>
-                <a:cs typeface="Times New Roman" panose="02020603050405020304" pitchFamily="18" charset="0"/>
-              </a:rPr>
-              <a:t>location-based restaurant discovery, </a:t>
-            </a:r>
-            <a:endParaRPr lang="en-US" sz="2000" b="1" dirty="0" smtClean="0">
-              <a:latin typeface="Times New Roman" panose="02020603050405020304" pitchFamily="18" charset="0"/>
-              <a:cs typeface="Times New Roman" panose="02020603050405020304" pitchFamily="18" charset="0"/>
-            </a:endParaRPr>
-          </a:p>
-          <a:p>
-            <a:pPr lvl="2" algn="just">
-              <a:lnSpc>
-                <a:spcPct val="107000"/>
-              </a:lnSpc>
-              <a:spcAft>
-                <a:spcPts val="800"/>
-              </a:spcAft>
-            </a:pPr>
-            <a:r>
-              <a:rPr lang="en-US" sz="2000" b="1" dirty="0">
-                <a:latin typeface="Times New Roman" panose="02020603050405020304" pitchFamily="18" charset="0"/>
-                <a:cs typeface="Times New Roman" panose="02020603050405020304" pitchFamily="18" charset="0"/>
-              </a:rPr>
-              <a:t>	</a:t>
-            </a:r>
-            <a:r>
-              <a:rPr lang="en-US" sz="2000" b="1" dirty="0" smtClean="0">
-                <a:latin typeface="Times New Roman" panose="02020603050405020304" pitchFamily="18" charset="0"/>
-                <a:cs typeface="Times New Roman" panose="02020603050405020304" pitchFamily="18" charset="0"/>
-              </a:rPr>
-              <a:t>real-time </a:t>
-            </a:r>
-            <a:r>
-              <a:rPr lang="en-US" sz="2000" b="1" dirty="0">
-                <a:latin typeface="Times New Roman" panose="02020603050405020304" pitchFamily="18" charset="0"/>
-                <a:cs typeface="Times New Roman" panose="02020603050405020304" pitchFamily="18" charset="0"/>
-              </a:rPr>
-              <a:t>seat selection with premium and </a:t>
-            </a:r>
-            <a:r>
-              <a:rPr lang="en-US" sz="2000" b="1" dirty="0" smtClean="0">
-                <a:latin typeface="Times New Roman" panose="02020603050405020304" pitchFamily="18" charset="0"/>
-                <a:cs typeface="Times New Roman" panose="02020603050405020304" pitchFamily="18" charset="0"/>
-              </a:rPr>
-              <a:t>non-premium </a:t>
-            </a:r>
-            <a:r>
-              <a:rPr lang="en-US" sz="2000" b="1" dirty="0">
-                <a:latin typeface="Times New Roman" panose="02020603050405020304" pitchFamily="18" charset="0"/>
-                <a:cs typeface="Times New Roman" panose="02020603050405020304" pitchFamily="18" charset="0"/>
-              </a:rPr>
-              <a:t>options</a:t>
-            </a:r>
-            <a:r>
-              <a:rPr lang="en-US" sz="2000" b="1" dirty="0" smtClean="0">
-                <a:latin typeface="Times New Roman" panose="02020603050405020304" pitchFamily="18" charset="0"/>
-                <a:cs typeface="Times New Roman" panose="02020603050405020304" pitchFamily="18" charset="0"/>
-              </a:rPr>
-              <a:t>,</a:t>
-            </a:r>
-          </a:p>
-          <a:p>
-            <a:pPr lvl="2" algn="just">
-              <a:lnSpc>
-                <a:spcPct val="107000"/>
-              </a:lnSpc>
-              <a:spcAft>
-                <a:spcPts val="800"/>
-              </a:spcAft>
-            </a:pPr>
-            <a:r>
-              <a:rPr lang="en-US" sz="2000" b="1" dirty="0" smtClean="0">
-                <a:latin typeface="Times New Roman" panose="02020603050405020304" pitchFamily="18" charset="0"/>
-                <a:cs typeface="Times New Roman" panose="02020603050405020304" pitchFamily="18" charset="0"/>
-              </a:rPr>
-              <a:t>	pre </a:t>
-            </a:r>
-            <a:r>
-              <a:rPr lang="en-US" sz="2000" b="1" dirty="0">
-                <a:latin typeface="Times New Roman" panose="02020603050405020304" pitchFamily="18" charset="0"/>
-                <a:cs typeface="Times New Roman" panose="02020603050405020304" pitchFamily="18" charset="0"/>
-              </a:rPr>
-              <a:t>ordering of food prior to arrival</a:t>
-            </a:r>
-            <a:r>
-              <a:rPr lang="en-US" sz="2000" dirty="0">
-                <a:latin typeface="Times New Roman" panose="02020603050405020304" pitchFamily="18" charset="0"/>
-                <a:cs typeface="Times New Roman" panose="02020603050405020304" pitchFamily="18" charset="0"/>
-              </a:rPr>
-              <a:t>. </a:t>
-            </a:r>
-            <a:endParaRPr lang="en-US" sz="2000" dirty="0" smtClean="0">
-              <a:latin typeface="Times New Roman" panose="02020603050405020304" pitchFamily="18" charset="0"/>
-              <a:cs typeface="Times New Roman" panose="02020603050405020304" pitchFamily="18" charset="0"/>
-            </a:endParaRPr>
-          </a:p>
-          <a:p>
-            <a:pPr marL="342900" lvl="2" indent="-342900" algn="just">
-              <a:lnSpc>
-                <a:spcPct val="107000"/>
-              </a:lnSpc>
-              <a:spcAft>
-                <a:spcPts val="800"/>
-              </a:spcAft>
-              <a:buFont typeface="Arial" panose="020B0604020202020204" pitchFamily="34" charset="0"/>
-              <a:buChar char="•"/>
-            </a:pPr>
-            <a:r>
-              <a:rPr lang="en-US" sz="2000" dirty="0" smtClean="0">
-                <a:latin typeface="Times New Roman" panose="02020603050405020304" pitchFamily="18" charset="0"/>
-                <a:cs typeface="Times New Roman" panose="02020603050405020304" pitchFamily="18" charset="0"/>
-              </a:rPr>
-              <a:t>Additionally, it offers automated email and messaging confirmations to enhance communication and reduce manual errors.</a:t>
-            </a:r>
-            <a:endParaRPr lang="en-IN" sz="2000" dirty="0">
-              <a:latin typeface="Times New Roman" panose="02020603050405020304" pitchFamily="18" charset="0"/>
-              <a:cs typeface="Times New Roman" panose="02020603050405020304" pitchFamily="18" charset="0"/>
-            </a:endParaRPr>
+                <a:ea typeface="Tahoma" panose="020B0604030504040204" pitchFamily="34" charset="0"/>
+                <a:cs typeface="Times New Roman" panose="02020603050405020304" pitchFamily="18" charset="0"/>
+              </a:rPr>
+              <a:t>project is motivated by the need for a smarter and smoother way to book tables. The Smart Restaurant Seat Booking System (SRSB) helps users find nearby restaurants, pick available seats (including premium ones), order food before they arrive, and get automatic confirmation messages. It also rewards users with discounts during slow hours, making the dining experience better for both customers and restaurants.</a:t>
+            </a:r>
           </a:p>
         </p:txBody>
       </p:sp>
@@ -16080,7 +15805,7 @@
                 <a:cs typeface="Arial"/>
                 <a:sym typeface="Arial"/>
               </a:rPr>
-              <a:t>5/15/2025</a:t>
+              <a:t>6/10/2025</a:t>
             </a:fld>
             <a:endParaRPr sz="1200" b="0" i="0" u="none" strike="noStrike" cap="none" dirty="0">
               <a:solidFill>
@@ -16409,8 +16134,8 @@
         </p:nvSpPr>
         <p:spPr>
           <a:xfrm>
-            <a:off x="811763" y="1163077"/>
-            <a:ext cx="7520474" cy="4044184"/>
+            <a:off x="811763" y="799183"/>
+            <a:ext cx="7520474" cy="5324535"/>
           </a:xfrm>
           <a:prstGeom prst="rect">
             <a:avLst/>
@@ -16423,244 +16148,91 @@
           </a:bodyPr>
           <a:lstStyle/>
           <a:p>
-            <a:pPr lvl="0">
-              <a:lnSpc>
-                <a:spcPct val="107000"/>
-              </a:lnSpc>
-            </a:pPr>
-            <a:r>
-              <a:rPr lang="en-US" sz="2000" kern="100" dirty="0">
-                <a:latin typeface="Times New Roman" panose="02020603050405020304" pitchFamily="18" charset="0"/>
-                <a:ea typeface="Calibri" panose="020F0502020204030204" pitchFamily="34" charset="0"/>
-                <a:cs typeface="Times New Roman" panose="02020603050405020304" pitchFamily="18" charset="0"/>
-              </a:rPr>
-              <a:t>Efficient restaurant seat booking improves both user satisfaction and restaurant </a:t>
-            </a:r>
-            <a:r>
-              <a:rPr lang="en-US" sz="2000" kern="100" dirty="0" smtClean="0">
-                <a:latin typeface="Times New Roman" panose="02020603050405020304" pitchFamily="18" charset="0"/>
-                <a:ea typeface="Calibri" panose="020F0502020204030204" pitchFamily="34" charset="0"/>
-                <a:cs typeface="Times New Roman" panose="02020603050405020304" pitchFamily="18" charset="0"/>
-              </a:rPr>
-              <a:t>revenue</a:t>
-            </a:r>
-            <a:r>
-              <a:rPr lang="en-US" sz="2000" kern="100" dirty="0">
-                <a:latin typeface="Times New Roman" panose="02020603050405020304" pitchFamily="18" charset="0"/>
-                <a:ea typeface="Calibri" panose="020F0502020204030204" pitchFamily="34" charset="0"/>
-                <a:cs typeface="Times New Roman" panose="02020603050405020304" pitchFamily="18" charset="0"/>
-              </a:rPr>
-              <a:t>. Traditional booking systems lack real-time updates, pre-ordering food </a:t>
-            </a:r>
-            <a:r>
-              <a:rPr lang="en-US" sz="2000" kern="100" dirty="0" smtClean="0">
-                <a:latin typeface="Times New Roman" panose="02020603050405020304" pitchFamily="18" charset="0"/>
-                <a:ea typeface="Calibri" panose="020F0502020204030204" pitchFamily="34" charset="0"/>
-                <a:cs typeface="Times New Roman" panose="02020603050405020304" pitchFamily="18" charset="0"/>
-              </a:rPr>
-              <a:t>capabilities</a:t>
-            </a:r>
-            <a:r>
-              <a:rPr lang="en-US" sz="2000" kern="100" dirty="0">
-                <a:latin typeface="Times New Roman" panose="02020603050405020304" pitchFamily="18" charset="0"/>
-                <a:ea typeface="Calibri" panose="020F0502020204030204" pitchFamily="34" charset="0"/>
-                <a:cs typeface="Times New Roman" panose="02020603050405020304" pitchFamily="18" charset="0"/>
-              </a:rPr>
-              <a:t>, and do not offer incentives for booking during low-demand periods. </a:t>
-            </a:r>
-            <a:endParaRPr lang="en-US" sz="2000" kern="100" dirty="0" smtClean="0">
-              <a:latin typeface="Times New Roman" panose="02020603050405020304" pitchFamily="18" charset="0"/>
-              <a:ea typeface="Calibri" panose="020F0502020204030204" pitchFamily="34" charset="0"/>
-              <a:cs typeface="Times New Roman" panose="02020603050405020304" pitchFamily="18" charset="0"/>
-            </a:endParaRPr>
-          </a:p>
-          <a:p>
-            <a:pPr lvl="0">
-              <a:lnSpc>
-                <a:spcPct val="107000"/>
-              </a:lnSpc>
-            </a:pPr>
-            <a:endParaRPr lang="en-US" sz="2000" kern="100" dirty="0">
-              <a:latin typeface="Times New Roman" panose="02020603050405020304" pitchFamily="18" charset="0"/>
-              <a:ea typeface="Calibri" panose="020F0502020204030204" pitchFamily="34" charset="0"/>
-              <a:cs typeface="Times New Roman" panose="02020603050405020304" pitchFamily="18" charset="0"/>
-            </a:endParaRPr>
-          </a:p>
-          <a:p>
-            <a:pPr lvl="0">
-              <a:lnSpc>
-                <a:spcPct val="107000"/>
-              </a:lnSpc>
-            </a:pPr>
-            <a:r>
-              <a:rPr lang="en-US" sz="2000" kern="100" dirty="0" smtClean="0">
-                <a:latin typeface="Times New Roman" panose="02020603050405020304" pitchFamily="18" charset="0"/>
-                <a:ea typeface="Calibri" panose="020F0502020204030204" pitchFamily="34" charset="0"/>
-                <a:cs typeface="Times New Roman" panose="02020603050405020304" pitchFamily="18" charset="0"/>
-              </a:rPr>
-              <a:t>This </a:t>
-            </a:r>
-            <a:r>
-              <a:rPr lang="en-US" sz="2000" kern="100" dirty="0">
-                <a:latin typeface="Times New Roman" panose="02020603050405020304" pitchFamily="18" charset="0"/>
-                <a:ea typeface="Calibri" panose="020F0502020204030204" pitchFamily="34" charset="0"/>
-                <a:cs typeface="Times New Roman" panose="02020603050405020304" pitchFamily="18" charset="0"/>
-              </a:rPr>
-              <a:t>system bridges these gaps by offering: </a:t>
-            </a:r>
-            <a:endParaRPr lang="en-US" sz="2000" kern="100" dirty="0" smtClean="0">
-              <a:latin typeface="Times New Roman" panose="02020603050405020304" pitchFamily="18" charset="0"/>
-              <a:ea typeface="Calibri" panose="020F0502020204030204" pitchFamily="34" charset="0"/>
-              <a:cs typeface="Times New Roman" panose="02020603050405020304" pitchFamily="18" charset="0"/>
-            </a:endParaRPr>
-          </a:p>
-          <a:p>
-            <a:pPr marL="342900" lvl="0" indent="-342900">
-              <a:lnSpc>
-                <a:spcPct val="107000"/>
-              </a:lnSpc>
+            <a:pPr marL="342900" indent="-342900">
               <a:buFont typeface="Arial" panose="020B0604020202020204" pitchFamily="34" charset="0"/>
               <a:buChar char="•"/>
             </a:pPr>
             <a:r>
-              <a:rPr lang="en-US" sz="2000" kern="100" dirty="0" smtClean="0">
-                <a:latin typeface="Times New Roman" panose="02020603050405020304" pitchFamily="18" charset="0"/>
-                <a:ea typeface="Calibri" panose="020F0502020204030204" pitchFamily="34" charset="0"/>
-                <a:cs typeface="Times New Roman" panose="02020603050405020304" pitchFamily="18" charset="0"/>
-              </a:rPr>
-              <a:t> Live nearby restaurant discovery </a:t>
-            </a:r>
-          </a:p>
-          <a:p>
-            <a:pPr marL="342900" lvl="0" indent="-342900">
-              <a:lnSpc>
-                <a:spcPct val="107000"/>
-              </a:lnSpc>
+              <a:rPr lang="en-US" sz="2000" dirty="0">
+                <a:latin typeface="Times New Roman" panose="02020603050405020304" pitchFamily="18" charset="0"/>
+                <a:cs typeface="Times New Roman" panose="02020603050405020304" pitchFamily="18" charset="0"/>
+              </a:rPr>
+              <a:t>In today’s fast-paced digital lifestyle, dining convenience and personalized experiences are in high demand. However, traditional restaurant reservation systems often fail to meet these expectations due to static seat allocation, lack of location relevance, and limited real-time interaction</a:t>
+            </a:r>
+            <a:r>
+              <a:rPr lang="en-US" sz="2000" dirty="0" smtClean="0">
+                <a:latin typeface="Times New Roman" panose="02020603050405020304" pitchFamily="18" charset="0"/>
+                <a:cs typeface="Times New Roman" panose="02020603050405020304" pitchFamily="18" charset="0"/>
+              </a:rPr>
+              <a:t>.</a:t>
+            </a:r>
+          </a:p>
+          <a:p>
+            <a:pPr marL="342900" indent="-342900">
               <a:buFont typeface="Arial" panose="020B0604020202020204" pitchFamily="34" charset="0"/>
               <a:buChar char="•"/>
             </a:pPr>
-            <a:r>
-              <a:rPr lang="en-US" sz="2000" kern="100" dirty="0" smtClean="0">
-                <a:latin typeface="Times New Roman" panose="02020603050405020304" pitchFamily="18" charset="0"/>
-                <a:ea typeface="Calibri" panose="020F0502020204030204" pitchFamily="34" charset="0"/>
-                <a:cs typeface="Times New Roman" panose="02020603050405020304" pitchFamily="18" charset="0"/>
-              </a:rPr>
-              <a:t> </a:t>
-            </a:r>
-            <a:r>
-              <a:rPr lang="en-US" sz="2000" kern="100" dirty="0">
-                <a:latin typeface="Times New Roman" panose="02020603050405020304" pitchFamily="18" charset="0"/>
-                <a:ea typeface="Calibri" panose="020F0502020204030204" pitchFamily="34" charset="0"/>
-                <a:cs typeface="Times New Roman" panose="02020603050405020304" pitchFamily="18" charset="0"/>
-              </a:rPr>
-              <a:t>Dynamic, time-slot based seat booking </a:t>
-            </a:r>
-          </a:p>
-          <a:p>
-            <a:pPr marL="342900" lvl="0" indent="-342900">
-              <a:lnSpc>
-                <a:spcPct val="107000"/>
-              </a:lnSpc>
+            <a:endParaRPr lang="en-US" sz="2000" dirty="0">
+              <a:latin typeface="Times New Roman" panose="02020603050405020304" pitchFamily="18" charset="0"/>
+              <a:cs typeface="Times New Roman" panose="02020603050405020304" pitchFamily="18" charset="0"/>
+            </a:endParaRPr>
+          </a:p>
+          <a:p>
+            <a:pPr marL="342900" indent="-342900">
               <a:buFont typeface="Arial" panose="020B0604020202020204" pitchFamily="34" charset="0"/>
               <a:buChar char="•"/>
             </a:pPr>
             <a:r>
-              <a:rPr lang="en-US" sz="2000" kern="100" dirty="0" smtClean="0">
-                <a:latin typeface="Times New Roman" panose="02020603050405020304" pitchFamily="18" charset="0"/>
-                <a:ea typeface="Calibri" panose="020F0502020204030204" pitchFamily="34" charset="0"/>
-                <a:cs typeface="Times New Roman" panose="02020603050405020304" pitchFamily="18" charset="0"/>
-              </a:rPr>
-              <a:t> </a:t>
-            </a:r>
-            <a:r>
-              <a:rPr lang="en-US" sz="2000" kern="100" dirty="0">
-                <a:latin typeface="Times New Roman" panose="02020603050405020304" pitchFamily="18" charset="0"/>
-                <a:ea typeface="Calibri" panose="020F0502020204030204" pitchFamily="34" charset="0"/>
-                <a:cs typeface="Times New Roman" panose="02020603050405020304" pitchFamily="18" charset="0"/>
-              </a:rPr>
-              <a:t>Premium seat reservation options during peak hours </a:t>
-            </a:r>
-          </a:p>
-          <a:p>
-            <a:pPr marL="342900" lvl="0" indent="-342900">
-              <a:lnSpc>
-                <a:spcPct val="107000"/>
-              </a:lnSpc>
+              <a:rPr lang="en-US" sz="2000" dirty="0">
+                <a:latin typeface="Times New Roman" panose="02020603050405020304" pitchFamily="18" charset="0"/>
+                <a:cs typeface="Times New Roman" panose="02020603050405020304" pitchFamily="18" charset="0"/>
+              </a:rPr>
+              <a:t>Most existing systems do not offer dynamic seat selection, food pre-ordering, or tiered services (like premium seating). They also lack automation in communication, leading to booking errors, delays, and poor customer engagement—especially during peak hours</a:t>
+            </a:r>
+            <a:r>
+              <a:rPr lang="en-US" sz="2000" dirty="0" smtClean="0">
+                <a:latin typeface="Times New Roman" panose="02020603050405020304" pitchFamily="18" charset="0"/>
+                <a:cs typeface="Times New Roman" panose="02020603050405020304" pitchFamily="18" charset="0"/>
+              </a:rPr>
+              <a:t>.</a:t>
+            </a:r>
+          </a:p>
+          <a:p>
+            <a:pPr marL="342900" indent="-342900">
               <a:buFont typeface="Arial" panose="020B0604020202020204" pitchFamily="34" charset="0"/>
               <a:buChar char="•"/>
             </a:pPr>
-            <a:r>
-              <a:rPr lang="en-US" sz="2000" kern="100" dirty="0" smtClean="0">
-                <a:latin typeface="Times New Roman" panose="02020603050405020304" pitchFamily="18" charset="0"/>
-                <a:ea typeface="Calibri" panose="020F0502020204030204" pitchFamily="34" charset="0"/>
-                <a:cs typeface="Times New Roman" panose="02020603050405020304" pitchFamily="18" charset="0"/>
-              </a:rPr>
-              <a:t> </a:t>
-            </a:r>
-            <a:r>
-              <a:rPr lang="en-US" sz="2000" kern="100" dirty="0">
-                <a:latin typeface="Times New Roman" panose="02020603050405020304" pitchFamily="18" charset="0"/>
-                <a:ea typeface="Calibri" panose="020F0502020204030204" pitchFamily="34" charset="0"/>
-                <a:cs typeface="Times New Roman" panose="02020603050405020304" pitchFamily="18" charset="0"/>
-              </a:rPr>
-              <a:t>Incentives and perks for non-peak hour bookings </a:t>
-            </a:r>
-          </a:p>
-          <a:p>
-            <a:pPr marL="342900" lvl="0" indent="-342900">
-              <a:lnSpc>
-                <a:spcPct val="107000"/>
-              </a:lnSpc>
+            <a:endParaRPr lang="en-US" sz="2000" dirty="0">
+              <a:latin typeface="Times New Roman" panose="02020603050405020304" pitchFamily="18" charset="0"/>
+              <a:cs typeface="Times New Roman" panose="02020603050405020304" pitchFamily="18" charset="0"/>
+            </a:endParaRPr>
+          </a:p>
+          <a:p>
+            <a:pPr marL="342900" indent="-342900">
               <a:buFont typeface="Arial" panose="020B0604020202020204" pitchFamily="34" charset="0"/>
               <a:buChar char="•"/>
             </a:pPr>
             <a:r>
-              <a:rPr lang="en-US" sz="2000" kern="100" dirty="0" smtClean="0">
-                <a:latin typeface="Times New Roman" panose="02020603050405020304" pitchFamily="18" charset="0"/>
-                <a:ea typeface="Calibri" panose="020F0502020204030204" pitchFamily="34" charset="0"/>
-                <a:cs typeface="Times New Roman" panose="02020603050405020304" pitchFamily="18" charset="0"/>
-              </a:rPr>
-              <a:t> </a:t>
-            </a:r>
-            <a:r>
-              <a:rPr lang="en-US" sz="2000" kern="100" dirty="0">
-                <a:latin typeface="Times New Roman" panose="02020603050405020304" pitchFamily="18" charset="0"/>
-                <a:ea typeface="Calibri" panose="020F0502020204030204" pitchFamily="34" charset="0"/>
-                <a:cs typeface="Times New Roman" panose="02020603050405020304" pitchFamily="18" charset="0"/>
-              </a:rPr>
-              <a:t>Integrated food pre-ordering </a:t>
-            </a:r>
-          </a:p>
-          <a:p>
-            <a:pPr marL="342900" lvl="0" indent="-342900">
-              <a:lnSpc>
-                <a:spcPct val="107000"/>
-              </a:lnSpc>
-              <a:buFont typeface="Arial" panose="020B0604020202020204" pitchFamily="34" charset="0"/>
-              <a:buChar char="•"/>
-            </a:pPr>
-            <a:r>
-              <a:rPr lang="en-US" sz="2000" kern="100" dirty="0" smtClean="0">
-                <a:latin typeface="Times New Roman" panose="02020603050405020304" pitchFamily="18" charset="0"/>
-                <a:ea typeface="Calibri" panose="020F0502020204030204" pitchFamily="34" charset="0"/>
-                <a:cs typeface="Times New Roman" panose="02020603050405020304" pitchFamily="18" charset="0"/>
-              </a:rPr>
-              <a:t> </a:t>
-            </a:r>
-            <a:r>
-              <a:rPr lang="en-US" sz="2000" kern="100" dirty="0">
-                <a:latin typeface="Times New Roman" panose="02020603050405020304" pitchFamily="18" charset="0"/>
-                <a:ea typeface="Calibri" panose="020F0502020204030204" pitchFamily="34" charset="0"/>
-                <a:cs typeface="Times New Roman" panose="02020603050405020304" pitchFamily="18" charset="0"/>
-              </a:rPr>
-              <a:t>Immediate email/message booking confirmations </a:t>
-            </a:r>
-            <a:endParaRPr lang="en-IN" sz="2000" kern="100" dirty="0">
-              <a:effectLst/>
-              <a:latin typeface="Times New Roman" panose="02020603050405020304" pitchFamily="18" charset="0"/>
-              <a:ea typeface="Calibri" panose="020F0502020204030204" pitchFamily="34" charset="0"/>
-              <a:cs typeface="Times New Roman" panose="02020603050405020304" pitchFamily="18" charset="0"/>
-            </a:endParaRPr>
+              <a:rPr lang="en-US" sz="2000" dirty="0">
+                <a:latin typeface="Times New Roman" panose="02020603050405020304" pitchFamily="18" charset="0"/>
+                <a:cs typeface="Times New Roman" panose="02020603050405020304" pitchFamily="18" charset="0"/>
+              </a:rPr>
+              <a:t>This project is motivated by the need for an intelligent, user-centric reservation system that enables real-time seat selection, smart food ordering, and automated confirmations. </a:t>
+            </a:r>
+            <a:r>
+              <a:rPr lang="en-US" sz="2000" b="1" dirty="0">
+                <a:latin typeface="Times New Roman" panose="02020603050405020304" pitchFamily="18" charset="0"/>
+                <a:cs typeface="Times New Roman" panose="02020603050405020304" pitchFamily="18" charset="0"/>
+              </a:rPr>
+              <a:t>SRSB</a:t>
+            </a:r>
+            <a:r>
+              <a:rPr lang="en-US" sz="2000" dirty="0">
+                <a:latin typeface="Times New Roman" panose="02020603050405020304" pitchFamily="18" charset="0"/>
+                <a:cs typeface="Times New Roman" panose="02020603050405020304" pitchFamily="18" charset="0"/>
+              </a:rPr>
+              <a:t> aims to streamline the dining experience by combining location-based discovery, live booking updates, and loyalty rewards—enhancing both customer satisfaction and operational efficiency for restaurants.</a:t>
+            </a:r>
           </a:p>
         </p:txBody>
       </p:sp>
@@ -16801,7 +16373,7 @@
                 <a:cs typeface="Arial"/>
                 <a:sym typeface="Arial"/>
               </a:rPr>
-              <a:t>5/15/2025</a:t>
+              <a:t>6/10/2025</a:t>
             </a:fld>
             <a:endParaRPr sz="1200" b="0" i="0" u="none" strike="noStrike" cap="none" dirty="0">
               <a:solidFill>
@@ -16978,7 +16550,7 @@
             </a:pPr>
             <a:fld id="{4799AAD4-E8CF-4357-893F-8641C515A1B1}" type="datetime1">
               <a:rPr lang="en-US" smtClean="0"/>
-              <a:t>5/15/2025</a:t>
+              <a:t>6/10/2025</a:t>
             </a:fld>
             <a:endParaRPr/>
           </a:p>
@@ -17068,21 +16640,21 @@
       </p:cxnSp>
       <p:graphicFrame>
         <p:nvGraphicFramePr>
-          <p:cNvPr id="3" name="Table 2"/>
+          <p:cNvPr id="2" name="Table 1"/>
           <p:cNvGraphicFramePr>
             <a:graphicFrameLocks noGrp="1"/>
           </p:cNvGraphicFramePr>
           <p:nvPr>
             <p:extLst>
               <p:ext uri="{D42A27DB-BD31-4B8C-83A1-F6EECF244321}">
-                <p14:modId xmlns:p14="http://schemas.microsoft.com/office/powerpoint/2010/main" val="163601410"/>
+                <p14:modId xmlns:p14="http://schemas.microsoft.com/office/powerpoint/2010/main" val="2674725099"/>
               </p:ext>
             </p:extLst>
           </p:nvPr>
         </p:nvGraphicFramePr>
         <p:xfrm>
-          <a:off x="635396" y="912638"/>
-          <a:ext cx="7873208" cy="5348204"/>
+          <a:off x="261258" y="998377"/>
+          <a:ext cx="8621485" cy="5565966"/>
         </p:xfrm>
         <a:graphic>
           <a:graphicData uri="http://schemas.openxmlformats.org/drawingml/2006/table">
@@ -17091,27 +16663,25 @@
                 <a:tableStyleId>{56D51072-94E4-4FC1-8697-D52FD32A7993}</a:tableStyleId>
               </a:tblPr>
               <a:tblGrid>
-                <a:gridCol w="1968302"/>
-                <a:gridCol w="1968302"/>
-                <a:gridCol w="1968302"/>
-                <a:gridCol w="1968302"/>
+                <a:gridCol w="699795"/>
+                <a:gridCol w="2276669"/>
+                <a:gridCol w="2080727"/>
+                <a:gridCol w="1839997"/>
+                <a:gridCol w="1724297"/>
               </a:tblGrid>
-              <a:tr h="1337051">
+              <a:tr h="470338">
                 <a:tc>
                   <a:txBody>
                     <a:bodyPr/>
                     <a:lstStyle/>
                     <a:p>
                       <a:r>
-                        <a:rPr lang="en-IN" sz="1600" dirty="0">
-                          <a:latin typeface="Times New Roman" panose="02020603050405020304" pitchFamily="18" charset="0"/>
-                          <a:cs typeface="Times New Roman" panose="02020603050405020304" pitchFamily="18" charset="0"/>
-                        </a:rPr>
-                        <a:t>Title of Paper</a:t>
+                        <a:rPr lang="en-IN" sz="1400"/>
+                        <a:t>S.No.</a:t>
                       </a:r>
                     </a:p>
                   </a:txBody>
-                  <a:tcPr marL="67463" marR="67463" marT="33731" marB="33731" anchor="ctr"/>
+                  <a:tcPr marL="67202" marR="67202" marT="33601" marB="33601" anchor="ctr"/>
                 </a:tc>
                 <a:tc>
                   <a:txBody>
@@ -17119,15 +16689,12 @@
                     <a:lstStyle/>
                     <a:p>
                       <a:r>
-                        <a:rPr lang="en-US" sz="1600">
-                          <a:latin typeface="Times New Roman" panose="02020603050405020304" pitchFamily="18" charset="0"/>
-                          <a:cs typeface="Times New Roman" panose="02020603050405020304" pitchFamily="18" charset="0"/>
-                        </a:rPr>
-                        <a:t>Journal Title with Year of Publication &amp; Author</a:t>
+                        <a:rPr lang="en-IN" sz="1400"/>
+                        <a:t>Title of Paper</a:t>
                       </a:r>
                     </a:p>
                   </a:txBody>
-                  <a:tcPr marL="67463" marR="67463" marT="33731" marB="33731" anchor="ctr"/>
+                  <a:tcPr marL="67202" marR="67202" marT="33601" marB="33601" anchor="ctr"/>
                 </a:tc>
                 <a:tc>
                   <a:txBody>
@@ -17135,15 +16702,12 @@
                     <a:lstStyle/>
                     <a:p>
                       <a:r>
-                        <a:rPr lang="en-IN" sz="1600">
-                          <a:latin typeface="Times New Roman" panose="02020603050405020304" pitchFamily="18" charset="0"/>
-                          <a:cs typeface="Times New Roman" panose="02020603050405020304" pitchFamily="18" charset="0"/>
-                        </a:rPr>
-                        <a:t>Technical Description (Base Concept)</a:t>
+                        <a:rPr lang="en-US" sz="1400"/>
+                        <a:t>Journal Title with Year of Publication</a:t>
                       </a:r>
                     </a:p>
                   </a:txBody>
-                  <a:tcPr marL="67463" marR="67463" marT="33731" marB="33731" anchor="ctr"/>
+                  <a:tcPr marL="67202" marR="67202" marT="33601" marB="33601" anchor="ctr"/>
                 </a:tc>
                 <a:tc>
                   <a:txBody>
@@ -17151,37 +16715,12 @@
                     <a:lstStyle/>
                     <a:p>
                       <a:r>
-                        <a:rPr lang="en-US" sz="1600" dirty="0" smtClean="0">
-                          <a:latin typeface="Times New Roman" panose="02020603050405020304" pitchFamily="18" charset="0"/>
-                          <a:cs typeface="Times New Roman" panose="02020603050405020304" pitchFamily="18" charset="0"/>
-                        </a:rPr>
-                        <a:t>Issues/Gaps</a:t>
-                      </a:r>
-                      <a:endParaRPr lang="en-US" sz="1600" dirty="0">
-                        <a:latin typeface="Times New Roman" panose="02020603050405020304" pitchFamily="18" charset="0"/>
-                        <a:cs typeface="Times New Roman" panose="02020603050405020304" pitchFamily="18" charset="0"/>
-                      </a:endParaRPr>
-                    </a:p>
-                  </a:txBody>
-                  <a:tcPr marL="67463" marR="67463" marT="33731" marB="33731" anchor="ctr"/>
-                </a:tc>
-              </a:tr>
-              <a:tr h="1337051">
-                <a:tc>
-                  <a:txBody>
-                    <a:bodyPr/>
-                    <a:lstStyle/>
-                    <a:p>
-                      <a:r>
-                        <a:rPr lang="en-US" sz="1600">
-                          <a:latin typeface="Times New Roman" panose="02020603050405020304" pitchFamily="18" charset="0"/>
-                          <a:cs typeface="Times New Roman" panose="02020603050405020304" pitchFamily="18" charset="0"/>
-                        </a:rPr>
-                        <a:t>Table Booking and Food Ordering System</a:t>
+                        <a:rPr lang="en-IN" sz="1400"/>
+                        <a:t>Technical Description</a:t>
                       </a:r>
                     </a:p>
                   </a:txBody>
-                  <a:tcPr marL="67463" marR="67463" marT="33731" marB="33731" anchor="ctr"/>
+                  <a:tcPr marL="67202" marR="67202" marT="33601" marB="33601" anchor="ctr"/>
                 </a:tc>
                 <a:tc>
                   <a:txBody>
@@ -17189,35 +16728,27 @@
                     <a:lstStyle/>
                     <a:p>
                       <a:r>
-                        <a:rPr lang="en-IN" sz="1600" dirty="0">
-                          <a:latin typeface="Times New Roman" panose="02020603050405020304" pitchFamily="18" charset="0"/>
-                          <a:cs typeface="Times New Roman" panose="02020603050405020304" pitchFamily="18" charset="0"/>
-                        </a:rPr>
-                        <a:t>IJERT, 2021</a:t>
-                      </a:r>
-                      <a:br>
-                        <a:rPr lang="en-IN" sz="1600" dirty="0">
-                          <a:latin typeface="Times New Roman" panose="02020603050405020304" pitchFamily="18" charset="0"/>
-                          <a:cs typeface="Times New Roman" panose="02020603050405020304" pitchFamily="18" charset="0"/>
-                        </a:rPr>
-                      </a:br>
-                      <a:r>
-                        <a:rPr lang="en-IN" sz="1600" dirty="0" err="1">
-                          <a:latin typeface="Times New Roman" panose="02020603050405020304" pitchFamily="18" charset="0"/>
-                          <a:cs typeface="Times New Roman" panose="02020603050405020304" pitchFamily="18" charset="0"/>
-                        </a:rPr>
-                        <a:t>Priya</a:t>
-                      </a:r>
-                      <a:r>
-                        <a:rPr lang="en-IN" sz="1600" dirty="0">
-                          <a:latin typeface="Times New Roman" panose="02020603050405020304" pitchFamily="18" charset="0"/>
-                          <a:cs typeface="Times New Roman" panose="02020603050405020304" pitchFamily="18" charset="0"/>
-                        </a:rPr>
-                        <a:t> Sharma et al.</a:t>
+                        <a:rPr lang="en-IN" sz="1400"/>
+                        <a:t>Issues / Gap</a:t>
                       </a:r>
                     </a:p>
                   </a:txBody>
-                  <a:tcPr marL="67463" marR="67463" marT="33731" marB="33731" anchor="ctr"/>
+                  <a:tcPr marL="67202" marR="67202" marT="33601" marB="33601" anchor="ctr"/>
+                </a:tc>
+              </a:tr>
+              <a:tr h="1819138">
+                <a:tc>
+                  <a:txBody>
+                    <a:bodyPr/>
+                    <a:lstStyle/>
+                    <a:p>
+                      <a:r>
+                        <a:rPr lang="en-IN" sz="1400"/>
+                        <a:t>1</a:t>
+                      </a:r>
+                    </a:p>
+                  </a:txBody>
+                  <a:tcPr marL="67202" marR="67202" marT="33601" marB="33601" anchor="ctr"/>
                 </a:tc>
                 <a:tc>
                   <a:txBody>
@@ -17225,80 +16756,12 @@
                     <a:lstStyle/>
                     <a:p>
                       <a:r>
-                        <a:rPr lang="en-US" sz="1600">
-                          <a:latin typeface="Times New Roman" panose="02020603050405020304" pitchFamily="18" charset="0"/>
-                          <a:cs typeface="Times New Roman" panose="02020603050405020304" pitchFamily="18" charset="0"/>
-                        </a:rPr>
-                        <a:t>Developed a system for both table booking and food ordering with basic integration between modules.</a:t>
+                        <a:rPr lang="en-US" sz="1400"/>
+                        <a:t>A Real-Time Reservation System Using Cloud and Mobile Technologies</a:t>
                       </a:r>
                     </a:p>
                   </a:txBody>
-                  <a:tcPr marL="67463" marR="67463" marT="33731" marB="33731" anchor="ctr"/>
-                </a:tc>
-                <a:tc>
-                  <a:txBody>
-                    <a:bodyPr/>
-                    <a:lstStyle/>
-                    <a:p>
-                      <a:pPr marL="0" marR="0" lvl="0" indent="0" algn="l" defTabSz="685800" rtl="0" eaLnBrk="1" fontAlgn="auto" latinLnBrk="0" hangingPunct="1">
-                        <a:lnSpc>
-                          <a:spcPct val="100000"/>
-                        </a:lnSpc>
-                        <a:spcBef>
-                          <a:spcPts val="0"/>
-                        </a:spcBef>
-                        <a:spcAft>
-                          <a:spcPts val="0"/>
-                        </a:spcAft>
-                        <a:buClrTx/>
-                        <a:buSzTx/>
-                        <a:buFontTx/>
-                        <a:buNone/>
-                        <a:tabLst/>
-                        <a:defRPr/>
-                      </a:pPr>
-                      <a:r>
-                        <a:rPr lang="en-US" sz="1600" dirty="0" smtClean="0">
-                          <a:latin typeface="Times New Roman" panose="02020603050405020304" pitchFamily="18" charset="0"/>
-                          <a:cs typeface="Times New Roman" panose="02020603050405020304" pitchFamily="18" charset="0"/>
-                        </a:rPr>
-                        <a:t>It </a:t>
-                      </a:r>
-                      <a:r>
-                        <a:rPr lang="en-US" sz="1600" kern="100" dirty="0" smtClean="0">
-                          <a:latin typeface="Times New Roman" panose="02020603050405020304" pitchFamily="18" charset="0"/>
-                          <a:ea typeface="Calibri" panose="020F0502020204030204" pitchFamily="34" charset="0"/>
-                          <a:cs typeface="Times New Roman" panose="02020603050405020304" pitchFamily="18" charset="0"/>
-                        </a:rPr>
-                        <a:t>do not offer incentives for booking during low-demand periods. </a:t>
-                      </a:r>
-                    </a:p>
-                    <a:p>
-                      <a:endParaRPr lang="en-US" sz="1600" dirty="0">
-                        <a:latin typeface="Times New Roman" panose="02020603050405020304" pitchFamily="18" charset="0"/>
-                        <a:cs typeface="Times New Roman" panose="02020603050405020304" pitchFamily="18" charset="0"/>
-                      </a:endParaRPr>
-                    </a:p>
-                  </a:txBody>
-                  <a:tcPr marL="67463" marR="67463" marT="33731" marB="33731" anchor="ctr"/>
-                </a:tc>
-              </a:tr>
-              <a:tr h="1337051">
-                <a:tc>
-                  <a:txBody>
-                    <a:bodyPr/>
-                    <a:lstStyle/>
-                    <a:p>
-                      <a:r>
-                        <a:rPr lang="en-US" sz="1600">
-                          <a:latin typeface="Times New Roman" panose="02020603050405020304" pitchFamily="18" charset="0"/>
-                          <a:cs typeface="Times New Roman" panose="02020603050405020304" pitchFamily="18" charset="0"/>
-                        </a:rPr>
-                        <a:t>A Real-Time Booking and Food Ordering System Based on Web Services</a:t>
-                      </a:r>
-                    </a:p>
-                  </a:txBody>
-                  <a:tcPr marL="67463" marR="67463" marT="33731" marB="33731" anchor="ctr"/>
+                  <a:tcPr marL="67202" marR="67202" marT="33601" marB="33601" anchor="ctr"/>
                 </a:tc>
                 <a:tc>
                   <a:txBody>
@@ -17306,28 +16769,12 @@
                     <a:lstStyle/>
                     <a:p>
                       <a:r>
-                        <a:rPr lang="it-IT" sz="1600">
-                          <a:latin typeface="Times New Roman" panose="02020603050405020304" pitchFamily="18" charset="0"/>
-                          <a:cs typeface="Times New Roman" panose="02020603050405020304" pitchFamily="18" charset="0"/>
-                        </a:rPr>
-                        <a:t>IJCA, 2020</a:t>
-                      </a:r>
-                      <a:br>
-                        <a:rPr lang="it-IT" sz="1600">
-                          <a:latin typeface="Times New Roman" panose="02020603050405020304" pitchFamily="18" charset="0"/>
-                          <a:cs typeface="Times New Roman" panose="02020603050405020304" pitchFamily="18" charset="0"/>
-                        </a:rPr>
-                      </a:br>
-                      <a:r>
-                        <a:rPr lang="it-IT" sz="1600">
-                          <a:latin typeface="Times New Roman" panose="02020603050405020304" pitchFamily="18" charset="0"/>
-                          <a:cs typeface="Times New Roman" panose="02020603050405020304" pitchFamily="18" charset="0"/>
-                        </a:rPr>
-                        <a:t>Rahul Singh, Neha Verma</a:t>
+                        <a:rPr lang="en-US" sz="1400" dirty="0"/>
+                        <a:t>International Journal of Advanced Computer Science and Applications (IJACSA), 2022</a:t>
                       </a:r>
                     </a:p>
                   </a:txBody>
-                  <a:tcPr marL="67463" marR="67463" marT="33731" marB="33731" anchor="ctr"/>
+                  <a:tcPr marL="67202" marR="67202" marT="33601" marB="33601" anchor="ctr"/>
                 </a:tc>
                 <a:tc>
                   <a:txBody>
@@ -17335,15 +16782,12 @@
                     <a:lstStyle/>
                     <a:p>
                       <a:r>
-                        <a:rPr lang="en-US" sz="1600">
-                          <a:latin typeface="Times New Roman" panose="02020603050405020304" pitchFamily="18" charset="0"/>
-                          <a:cs typeface="Times New Roman" panose="02020603050405020304" pitchFamily="18" charset="0"/>
-                        </a:rPr>
-                        <a:t>Emphasized real-time communication and modular API-based ordering.</a:t>
+                        <a:rPr lang="en-US" sz="1400" dirty="0"/>
+                        <a:t>This paper presents a mobile-integrated restaurant reservation system using cloud databases to support real-time bookings and updates.</a:t>
                       </a:r>
                     </a:p>
                   </a:txBody>
-                  <a:tcPr marL="67463" marR="67463" marT="33731" marB="33731" anchor="ctr"/>
+                  <a:tcPr marL="67202" marR="67202" marT="33601" marB="33601" anchor="ctr"/>
                 </a:tc>
                 <a:tc>
                   <a:txBody>
@@ -17351,46 +16795,27 @@
                     <a:lstStyle/>
                     <a:p>
                       <a:r>
-                        <a:rPr lang="en-US" sz="1600" kern="100" dirty="0" smtClean="0">
-                          <a:latin typeface="Times New Roman" panose="02020603050405020304" pitchFamily="18" charset="0"/>
-                          <a:ea typeface="Calibri" panose="020F0502020204030204" pitchFamily="34" charset="0"/>
-                          <a:cs typeface="Times New Roman" panose="02020603050405020304" pitchFamily="18" charset="0"/>
-                        </a:rPr>
-                        <a:t>It</a:t>
+                        <a:rPr lang="en-US" sz="1400"/>
+                        <a:t>Lacks advanced features like food pre-ordering, premium seat selection, and dynamic UI/UX components.</a:t>
                       </a:r>
-                      <a:r>
-                        <a:rPr lang="en-US" sz="1600" kern="100" baseline="0" dirty="0" smtClean="0">
-                          <a:latin typeface="Times New Roman" panose="02020603050405020304" pitchFamily="18" charset="0"/>
-                          <a:ea typeface="Calibri" panose="020F0502020204030204" pitchFamily="34" charset="0"/>
-                          <a:cs typeface="Times New Roman" panose="02020603050405020304" pitchFamily="18" charset="0"/>
-                        </a:rPr>
-                        <a:t> lacks of monitoring seat booking status at real time.</a:t>
-                      </a:r>
-                      <a:endParaRPr lang="en-US" sz="1600" dirty="0">
-                        <a:latin typeface="Times New Roman" panose="02020603050405020304" pitchFamily="18" charset="0"/>
-                        <a:cs typeface="Times New Roman" panose="02020603050405020304" pitchFamily="18" charset="0"/>
-                      </a:endParaRPr>
                     </a:p>
                   </a:txBody>
-                  <a:tcPr marL="67463" marR="67463" marT="33731" marB="33731" anchor="ctr"/>
+                  <a:tcPr marL="67202" marR="67202" marT="33601" marB="33601" anchor="ctr"/>
                 </a:tc>
               </a:tr>
-              <a:tr h="1337051">
+              <a:tr h="1626453">
                 <a:tc>
                   <a:txBody>
                     <a:bodyPr/>
                     <a:lstStyle/>
                     <a:p>
                       <a:r>
-                        <a:rPr lang="en-US" sz="1600">
-                          <a:latin typeface="Times New Roman" panose="02020603050405020304" pitchFamily="18" charset="0"/>
-                          <a:cs typeface="Times New Roman" panose="02020603050405020304" pitchFamily="18" charset="0"/>
-                        </a:rPr>
-                        <a:t>A Digital System for Table Booking and Food Ordering in Restaurants</a:t>
+                        <a:rPr lang="en-IN" sz="1400"/>
+                        <a:t>2</a:t>
                       </a:r>
                     </a:p>
                   </a:txBody>
-                  <a:tcPr marL="67463" marR="67463" marT="33731" marB="33731" anchor="ctr"/>
+                  <a:tcPr marL="67202" marR="67202" marT="33601" marB="33601" anchor="ctr"/>
                 </a:tc>
                 <a:tc>
                   <a:txBody>
@@ -17398,28 +16823,12 @@
                     <a:lstStyle/>
                     <a:p>
                       <a:r>
-                        <a:rPr lang="fi-FI" sz="1600">
-                          <a:latin typeface="Times New Roman" panose="02020603050405020304" pitchFamily="18" charset="0"/>
-                          <a:cs typeface="Times New Roman" panose="02020603050405020304" pitchFamily="18" charset="0"/>
-                        </a:rPr>
-                        <a:t>IJIREEICE, 2019</a:t>
-                      </a:r>
-                      <a:br>
-                        <a:rPr lang="fi-FI" sz="1600">
-                          <a:latin typeface="Times New Roman" panose="02020603050405020304" pitchFamily="18" charset="0"/>
-                          <a:cs typeface="Times New Roman" panose="02020603050405020304" pitchFamily="18" charset="0"/>
-                        </a:rPr>
-                      </a:br>
-                      <a:r>
-                        <a:rPr lang="fi-FI" sz="1600">
-                          <a:latin typeface="Times New Roman" panose="02020603050405020304" pitchFamily="18" charset="0"/>
-                          <a:cs typeface="Times New Roman" panose="02020603050405020304" pitchFamily="18" charset="0"/>
-                        </a:rPr>
-                        <a:t>Sushmita Jain et al.</a:t>
+                        <a:rPr lang="en-IN" sz="1400"/>
+                        <a:t>Location-Based Restaurant Recommendation System Using GPS and Mobile Devices</a:t>
                       </a:r>
                     </a:p>
                   </a:txBody>
-                  <a:tcPr marL="67463" marR="67463" marT="33731" marB="33731" anchor="ctr"/>
+                  <a:tcPr marL="67202" marR="67202" marT="33601" marB="33601" anchor="ctr"/>
                 </a:tc>
                 <a:tc>
                   <a:txBody>
@@ -17427,15 +16836,12 @@
                     <a:lstStyle/>
                     <a:p>
                       <a:r>
-                        <a:rPr lang="en-US" sz="1600">
-                          <a:latin typeface="Times New Roman" panose="02020603050405020304" pitchFamily="18" charset="0"/>
-                          <a:cs typeface="Times New Roman" panose="02020603050405020304" pitchFamily="18" charset="0"/>
-                        </a:rPr>
-                        <a:t>Proposed a unified digital interface for managing restaurant table booking with linked orders.</a:t>
+                        <a:rPr lang="en-IN" sz="1400"/>
+                        <a:t>International Journal of Computer Applications, 2021</a:t>
                       </a:r>
                     </a:p>
                   </a:txBody>
-                  <a:tcPr marL="67463" marR="67463" marT="33731" marB="33731" anchor="ctr"/>
+                  <a:tcPr marL="67202" marR="67202" marT="33601" marB="33601" anchor="ctr"/>
                 </a:tc>
                 <a:tc>
                   <a:txBody>
@@ -17443,32 +16849,187 @@
                     <a:lstStyle/>
                     <a:p>
                       <a:r>
-                        <a:rPr lang="en-US" sz="1600" dirty="0" smtClean="0">
-                          <a:latin typeface="Times New Roman" panose="02020603050405020304" pitchFamily="18" charset="0"/>
-                          <a:cs typeface="Times New Roman" panose="02020603050405020304" pitchFamily="18" charset="0"/>
-                        </a:rPr>
-                        <a:t>Inefficiency</a:t>
+                        <a:rPr lang="en-US" sz="1400"/>
+                        <a:t>The study proposes a GPS-based mobile application to recommend nearby restaurants based on user location and preferences.</a:t>
                       </a:r>
-                      <a:r>
-                        <a:rPr lang="en-US" sz="1600" baseline="0" dirty="0" smtClean="0">
-                          <a:latin typeface="Times New Roman" panose="02020603050405020304" pitchFamily="18" charset="0"/>
-                          <a:cs typeface="Times New Roman" panose="02020603050405020304" pitchFamily="18" charset="0"/>
-                        </a:rPr>
-                        <a:t> in tracking of bookings.</a:t>
-                      </a:r>
-                      <a:endParaRPr lang="en-US" sz="1600" dirty="0">
-                        <a:latin typeface="Times New Roman" panose="02020603050405020304" pitchFamily="18" charset="0"/>
-                        <a:cs typeface="Times New Roman" panose="02020603050405020304" pitchFamily="18" charset="0"/>
-                      </a:endParaRPr>
                     </a:p>
                   </a:txBody>
-                  <a:tcPr marL="67463" marR="67463" marT="33731" marB="33731" anchor="ctr"/>
+                  <a:tcPr marL="67202" marR="67202" marT="33601" marB="33601" anchor="ctr"/>
+                </a:tc>
+                <a:tc>
+                  <a:txBody>
+                    <a:bodyPr/>
+                    <a:lstStyle/>
+                    <a:p>
+                      <a:r>
+                        <a:rPr lang="en-US" sz="1400"/>
+                        <a:t>Focuses on discovery but lacks reservation management and user interaction features like seat booking and notifications.</a:t>
+                      </a:r>
+                    </a:p>
+                  </a:txBody>
+                  <a:tcPr marL="67202" marR="67202" marT="33601" marB="33601" anchor="ctr"/>
+                </a:tc>
+              </a:tr>
+              <a:tr h="1626453">
+                <a:tc>
+                  <a:txBody>
+                    <a:bodyPr/>
+                    <a:lstStyle/>
+                    <a:p>
+                      <a:r>
+                        <a:rPr lang="en-IN" sz="1400"/>
+                        <a:t>3</a:t>
+                      </a:r>
+                    </a:p>
+                  </a:txBody>
+                  <a:tcPr marL="67202" marR="67202" marT="33601" marB="33601" anchor="ctr"/>
+                </a:tc>
+                <a:tc>
+                  <a:txBody>
+                    <a:bodyPr/>
+                    <a:lstStyle/>
+                    <a:p>
+                      <a:r>
+                        <a:rPr lang="en-US" sz="1400"/>
+                        <a:t>Enhancing Restaurant Reservation Systems Using AI and Predictive Analytics</a:t>
+                      </a:r>
+                    </a:p>
+                  </a:txBody>
+                  <a:tcPr marL="67202" marR="67202" marT="33601" marB="33601" anchor="ctr"/>
+                </a:tc>
+                <a:tc>
+                  <a:txBody>
+                    <a:bodyPr/>
+                    <a:lstStyle/>
+                    <a:p>
+                      <a:r>
+                        <a:rPr lang="en-IN" sz="1400"/>
+                        <a:t>IEEE Access, 2023</a:t>
+                      </a:r>
+                    </a:p>
+                  </a:txBody>
+                  <a:tcPr marL="67202" marR="67202" marT="33601" marB="33601" anchor="ctr"/>
+                </a:tc>
+                <a:tc>
+                  <a:txBody>
+                    <a:bodyPr/>
+                    <a:lstStyle/>
+                    <a:p>
+                      <a:r>
+                        <a:rPr lang="en-US" sz="1400"/>
+                        <a:t>Uses AI to predict customer flow and optimize reservation slots, enhancing revenue and seating efficiency during peak hours.</a:t>
+                      </a:r>
+                    </a:p>
+                  </a:txBody>
+                  <a:tcPr marL="67202" marR="67202" marT="33601" marB="33601" anchor="ctr"/>
+                </a:tc>
+                <a:tc>
+                  <a:txBody>
+                    <a:bodyPr/>
+                    <a:lstStyle/>
+                    <a:p>
+                      <a:r>
+                        <a:rPr lang="en-US" sz="1400" dirty="0"/>
+                        <a:t>Does not include food ordering or communication features; lacks integration of reward-based systems or tiered bookings.</a:t>
+                      </a:r>
+                    </a:p>
+                  </a:txBody>
+                  <a:tcPr marL="67202" marR="67202" marT="33601" marB="33601" anchor="ctr"/>
                 </a:tc>
               </a:tr>
             </a:tbl>
           </a:graphicData>
         </a:graphic>
       </p:graphicFrame>
+      <p:sp>
+        <p:nvSpPr>
+          <p:cNvPr id="4" name="Rectangle 1"/>
+          <p:cNvSpPr>
+            <a:spLocks noChangeArrowheads="1"/>
+          </p:cNvSpPr>
+          <p:nvPr/>
+        </p:nvSpPr>
+        <p:spPr bwMode="auto">
+          <a:xfrm>
+            <a:off x="1673225" y="1809750"/>
+            <a:ext cx="9144000" cy="0"/>
+          </a:xfrm>
+          <a:prstGeom prst="rect">
+            <a:avLst/>
+          </a:prstGeom>
+          <a:noFill/>
+          <a:ln>
+            <a:noFill/>
+          </a:ln>
+          <a:effectLst/>
+          <a:extLst>
+            <a:ext uri="{909E8E84-426E-40DD-AFC4-6F175D3DCCD1}">
+              <a14:hiddenFill xmlns:a14="http://schemas.microsoft.com/office/drawing/2010/main">
+                <a:solidFill>
+                  <a:schemeClr val="accent1"/>
+                </a:solidFill>
+              </a14:hiddenFill>
+            </a:ext>
+            <a:ext uri="{91240B29-F687-4F45-9708-019B960494DF}">
+              <a14:hiddenLine xmlns:a14="http://schemas.microsoft.com/office/drawing/2010/main" w="9525">
+                <a:solidFill>
+                  <a:schemeClr val="tx1"/>
+                </a:solidFill>
+                <a:miter lim="800000"/>
+                <a:headEnd/>
+                <a:tailEnd/>
+              </a14:hiddenLine>
+            </a:ext>
+            <a:ext uri="{AF507438-7753-43E0-B8FC-AC1667EBCBE1}">
+              <a14:hiddenEffects xmlns:a14="http://schemas.microsoft.com/office/drawing/2010/main">
+                <a:effectLst>
+                  <a:outerShdw dist="35921" dir="2700000" algn="ctr" rotWithShape="0">
+                    <a:schemeClr val="bg2"/>
+                  </a:outerShdw>
+                </a:effectLst>
+              </a14:hiddenEffects>
+            </a:ext>
+          </a:extLst>
+        </p:spPr>
+        <p:txBody>
+          <a:bodyPr vert="horz" wrap="none" lIns="91440" tIns="45720" rIns="91440" bIns="45720" numCol="1" anchor="ctr" anchorCtr="0" compatLnSpc="1">
+            <a:prstTxWarp prst="textNoShape">
+              <a:avLst/>
+            </a:prstTxWarp>
+            <a:spAutoFit/>
+          </a:bodyPr>
+          <a:lstStyle/>
+          <a:p>
+            <a:pPr marL="0" marR="0" lvl="0" indent="0" algn="l" defTabSz="914400" rtl="0" eaLnBrk="1" fontAlgn="base" latinLnBrk="0" hangingPunct="1">
+              <a:lnSpc>
+                <a:spcPct val="100000"/>
+              </a:lnSpc>
+              <a:spcBef>
+                <a:spcPct val="0"/>
+              </a:spcBef>
+              <a:spcAft>
+                <a:spcPct val="0"/>
+              </a:spcAft>
+              <a:buClrTx/>
+              <a:buSzTx/>
+              <a:buFontTx/>
+              <a:buNone/>
+              <a:tabLst/>
+            </a:pPr>
+            <a:endParaRPr kumimoji="0" lang="en-US" altLang="en-US" sz="1800" b="0" i="0" u="none" strike="noStrike" cap="none" normalizeH="0" baseline="0" smtClean="0">
+              <a:ln>
+                <a:noFill/>
+              </a:ln>
+              <a:solidFill>
+                <a:schemeClr val="tx1"/>
+              </a:solidFill>
+              <a:effectLst/>
+              <a:latin typeface="Arial" charset="0"/>
+              <a:cs typeface="Arial" charset="0"/>
+            </a:endParaRPr>
+          </a:p>
+        </p:txBody>
+      </p:sp>
     </p:spTree>
   </p:cSld>
   <p:clrMapOvr>
@@ -17642,7 +17203,7 @@
         </p:nvSpPr>
         <p:spPr>
           <a:xfrm>
-            <a:off x="587828" y="641668"/>
+            <a:off x="573832" y="800289"/>
             <a:ext cx="7996335" cy="5966949"/>
           </a:xfrm>
           <a:prstGeom prst="rect">
@@ -17659,437 +17220,73 @@
           </a:bodyPr>
           <a:lstStyle/>
           <a:p>
-            <a:pPr algn="just">
-              <a:lnSpc>
-                <a:spcPct val="100000"/>
-              </a:lnSpc>
-              <a:spcBef>
-                <a:spcPts val="420"/>
-              </a:spcBef>
-              <a:buClr>
-                <a:schemeClr val="dk1"/>
-              </a:buClr>
-              <a:buSzPts val="2100"/>
-            </a:pPr>
-            <a:r>
-              <a:rPr lang="en-IN" sz="2000" kern="100" dirty="0">
-                <a:solidFill>
-                  <a:srgbClr val="000000"/>
-                </a:solidFill>
-                <a:effectLst/>
-                <a:latin typeface="Bookman Old Style" panose="02050604050505020204" pitchFamily="18" charset="0"/>
-                <a:ea typeface="Calibri" panose="020F0502020204030204" pitchFamily="34" charset="0"/>
-                <a:cs typeface="Times New Roman" panose="02020603050405020304" pitchFamily="18" charset="0"/>
-              </a:rPr>
-              <a:t> </a:t>
-            </a:r>
-            <a:r>
-              <a:rPr lang="en-US" sz="2000" kern="100" dirty="0">
-                <a:solidFill>
-                  <a:srgbClr val="000000"/>
-                </a:solidFill>
-                <a:latin typeface="Times New Roman" panose="02020603050405020304" pitchFamily="18" charset="0"/>
-                <a:ea typeface="Calibri" panose="020F0502020204030204" pitchFamily="34" charset="0"/>
-                <a:cs typeface="Times New Roman" panose="02020603050405020304" pitchFamily="18" charset="0"/>
-              </a:rPr>
-              <a:t>Literature shows that existing restaurant booking systems suffer from </a:t>
-            </a:r>
-            <a:r>
-              <a:rPr lang="en-US" sz="2000" kern="100" dirty="0" smtClean="0">
-                <a:solidFill>
-                  <a:srgbClr val="000000"/>
-                </a:solidFill>
-                <a:latin typeface="Times New Roman" panose="02020603050405020304" pitchFamily="18" charset="0"/>
-                <a:ea typeface="Calibri" panose="020F0502020204030204" pitchFamily="34" charset="0"/>
-                <a:cs typeface="Times New Roman" panose="02020603050405020304" pitchFamily="18" charset="0"/>
-              </a:rPr>
-              <a:t>static reservation </a:t>
-            </a:r>
-            <a:r>
-              <a:rPr lang="en-US" sz="2000" kern="100" dirty="0">
-                <a:solidFill>
-                  <a:srgbClr val="000000"/>
-                </a:solidFill>
-                <a:latin typeface="Times New Roman" panose="02020603050405020304" pitchFamily="18" charset="0"/>
-                <a:ea typeface="Calibri" panose="020F0502020204030204" pitchFamily="34" charset="0"/>
-                <a:cs typeface="Times New Roman" panose="02020603050405020304" pitchFamily="18" charset="0"/>
-              </a:rPr>
-              <a:t>methods, lack of real-time seat availability updates, absence of </a:t>
-            </a:r>
-            <a:r>
-              <a:rPr lang="en-US" sz="2000" kern="100" dirty="0" smtClean="0">
-                <a:solidFill>
-                  <a:srgbClr val="000000"/>
-                </a:solidFill>
-                <a:latin typeface="Times New Roman" panose="02020603050405020304" pitchFamily="18" charset="0"/>
-                <a:ea typeface="Calibri" panose="020F0502020204030204" pitchFamily="34" charset="0"/>
-                <a:cs typeface="Times New Roman" panose="02020603050405020304" pitchFamily="18" charset="0"/>
-              </a:rPr>
-              <a:t>location based </a:t>
-            </a:r>
-            <a:r>
-              <a:rPr lang="en-US" sz="2000" kern="100" dirty="0">
-                <a:solidFill>
-                  <a:srgbClr val="000000"/>
-                </a:solidFill>
-                <a:latin typeface="Times New Roman" panose="02020603050405020304" pitchFamily="18" charset="0"/>
-                <a:ea typeface="Calibri" panose="020F0502020204030204" pitchFamily="34" charset="0"/>
-                <a:cs typeface="Times New Roman" panose="02020603050405020304" pitchFamily="18" charset="0"/>
-              </a:rPr>
-              <a:t>restaurant discovery, no integration of pre-food ordering options, and delayed </a:t>
-            </a:r>
-            <a:r>
-              <a:rPr lang="en-US" sz="2000" kern="100" dirty="0" smtClean="0">
-                <a:solidFill>
-                  <a:srgbClr val="000000"/>
-                </a:solidFill>
-                <a:latin typeface="Times New Roman" panose="02020603050405020304" pitchFamily="18" charset="0"/>
-                <a:ea typeface="Calibri" panose="020F0502020204030204" pitchFamily="34" charset="0"/>
-                <a:cs typeface="Times New Roman" panose="02020603050405020304" pitchFamily="18" charset="0"/>
-              </a:rPr>
-              <a:t>booking </a:t>
-            </a:r>
-            <a:r>
-              <a:rPr lang="en-US" sz="2000" kern="100" dirty="0" smtClean="0">
-                <a:solidFill>
-                  <a:srgbClr val="000000"/>
-                </a:solidFill>
-                <a:latin typeface="Times New Roman" panose="02020603050405020304" pitchFamily="18" charset="0"/>
-                <a:ea typeface="Calibri" panose="020F0502020204030204" pitchFamily="34" charset="0"/>
-                <a:cs typeface="Times New Roman" panose="02020603050405020304" pitchFamily="18" charset="0"/>
-              </a:rPr>
-              <a:t>confirmation.</a:t>
-            </a:r>
-          </a:p>
-          <a:p>
-            <a:pPr marL="0" indent="0" algn="just">
-              <a:lnSpc>
-                <a:spcPct val="100000"/>
-              </a:lnSpc>
-              <a:spcBef>
-                <a:spcPts val="420"/>
-              </a:spcBef>
-              <a:buClr>
-                <a:schemeClr val="dk1"/>
-              </a:buClr>
-              <a:buSzPts val="2100"/>
-              <a:buNone/>
-            </a:pPr>
-            <a:endParaRPr lang="en-US" sz="2000" kern="100" dirty="0">
-              <a:solidFill>
-                <a:srgbClr val="000000"/>
-              </a:solidFill>
-              <a:latin typeface="Times New Roman" panose="02020603050405020304" pitchFamily="18" charset="0"/>
-              <a:ea typeface="Calibri" panose="020F0502020204030204" pitchFamily="34" charset="0"/>
-              <a:cs typeface="Times New Roman" panose="02020603050405020304" pitchFamily="18" charset="0"/>
-            </a:endParaRPr>
-          </a:p>
-          <a:p>
-            <a:pPr algn="just">
-              <a:lnSpc>
-                <a:spcPct val="100000"/>
-              </a:lnSpc>
-              <a:spcBef>
-                <a:spcPts val="420"/>
-              </a:spcBef>
-              <a:buClr>
-                <a:schemeClr val="dk1"/>
-              </a:buClr>
-              <a:buSzPts val="2100"/>
-            </a:pPr>
-            <a:r>
-              <a:rPr lang="en-US" sz="2000" kern="100" dirty="0">
-                <a:solidFill>
-                  <a:srgbClr val="000000"/>
-                </a:solidFill>
-                <a:latin typeface="Times New Roman" panose="02020603050405020304" pitchFamily="18" charset="0"/>
-                <a:ea typeface="Calibri" panose="020F0502020204030204" pitchFamily="34" charset="0"/>
-                <a:cs typeface="Times New Roman" panose="02020603050405020304" pitchFamily="18" charset="0"/>
-              </a:rPr>
-              <a:t> </a:t>
-            </a:r>
-            <a:r>
-              <a:rPr lang="en-US" sz="2000" kern="100" dirty="0" smtClean="0">
-                <a:solidFill>
-                  <a:srgbClr val="000000"/>
-                </a:solidFill>
-                <a:latin typeface="Times New Roman" panose="02020603050405020304" pitchFamily="18" charset="0"/>
-                <a:ea typeface="Calibri" panose="020F0502020204030204" pitchFamily="34" charset="0"/>
-                <a:cs typeface="Times New Roman" panose="02020603050405020304" pitchFamily="18" charset="0"/>
-              </a:rPr>
-              <a:t>Research </a:t>
-            </a:r>
-            <a:r>
-              <a:rPr lang="en-US" sz="2000" kern="100" dirty="0">
-                <a:solidFill>
-                  <a:srgbClr val="000000"/>
-                </a:solidFill>
-                <a:latin typeface="Times New Roman" panose="02020603050405020304" pitchFamily="18" charset="0"/>
-                <a:ea typeface="Calibri" panose="020F0502020204030204" pitchFamily="34" charset="0"/>
-                <a:cs typeface="Times New Roman" panose="02020603050405020304" pitchFamily="18" charset="0"/>
-              </a:rPr>
-              <a:t>on AI-driven seat optimization demonstrated improvements in allocation </a:t>
-            </a:r>
-            <a:r>
-              <a:rPr lang="en-US" sz="2000" kern="100" dirty="0" smtClean="0">
-                <a:solidFill>
-                  <a:srgbClr val="000000"/>
-                </a:solidFill>
-                <a:latin typeface="Times New Roman" panose="02020603050405020304" pitchFamily="18" charset="0"/>
-                <a:ea typeface="Calibri" panose="020F0502020204030204" pitchFamily="34" charset="0"/>
-                <a:cs typeface="Times New Roman" panose="02020603050405020304" pitchFamily="18" charset="0"/>
-              </a:rPr>
-              <a:t>efficiency</a:t>
-            </a:r>
-            <a:r>
-              <a:rPr lang="en-US" sz="2000" kern="100" dirty="0">
-                <a:solidFill>
-                  <a:srgbClr val="000000"/>
-                </a:solidFill>
-                <a:latin typeface="Times New Roman" panose="02020603050405020304" pitchFamily="18" charset="0"/>
-                <a:ea typeface="Calibri" panose="020F0502020204030204" pitchFamily="34" charset="0"/>
-                <a:cs typeface="Times New Roman" panose="02020603050405020304" pitchFamily="18" charset="0"/>
-              </a:rPr>
-              <a:t>, but lacked real-time location integration. Studies on digital reservation </a:t>
-            </a:r>
-            <a:r>
-              <a:rPr lang="en-US" sz="2000" kern="100" dirty="0" smtClean="0">
-                <a:solidFill>
-                  <a:srgbClr val="000000"/>
-                </a:solidFill>
-                <a:latin typeface="Times New Roman" panose="02020603050405020304" pitchFamily="18" charset="0"/>
-                <a:ea typeface="Calibri" panose="020F0502020204030204" pitchFamily="34" charset="0"/>
-                <a:cs typeface="Times New Roman" panose="02020603050405020304" pitchFamily="18" charset="0"/>
-              </a:rPr>
-              <a:t>systems </a:t>
-            </a:r>
-            <a:r>
-              <a:rPr lang="en-US" sz="2000" kern="100" dirty="0">
-                <a:solidFill>
-                  <a:srgbClr val="000000"/>
-                </a:solidFill>
-                <a:latin typeface="Times New Roman" panose="02020603050405020304" pitchFamily="18" charset="0"/>
-                <a:ea typeface="Calibri" panose="020F0502020204030204" pitchFamily="34" charset="0"/>
-                <a:cs typeface="Times New Roman" panose="02020603050405020304" pitchFamily="18" charset="0"/>
-              </a:rPr>
-              <a:t>confirm enhancements in customer satisfaction, although they did not </a:t>
-            </a:r>
-            <a:r>
-              <a:rPr lang="en-US" sz="2000" kern="100" dirty="0" smtClean="0">
-                <a:solidFill>
-                  <a:srgbClr val="000000"/>
-                </a:solidFill>
-                <a:latin typeface="Times New Roman" panose="02020603050405020304" pitchFamily="18" charset="0"/>
-                <a:ea typeface="Calibri" panose="020F0502020204030204" pitchFamily="34" charset="0"/>
-                <a:cs typeface="Times New Roman" panose="02020603050405020304" pitchFamily="18" charset="0"/>
-              </a:rPr>
-              <a:t>address </a:t>
-            </a:r>
-            <a:r>
-              <a:rPr lang="en-US" sz="2000" kern="100" dirty="0">
-                <a:solidFill>
-                  <a:srgbClr val="000000"/>
-                </a:solidFill>
-                <a:latin typeface="Times New Roman" panose="02020603050405020304" pitchFamily="18" charset="0"/>
-                <a:ea typeface="Calibri" panose="020F0502020204030204" pitchFamily="34" charset="0"/>
-                <a:cs typeface="Times New Roman" panose="02020603050405020304" pitchFamily="18" charset="0"/>
-              </a:rPr>
-              <a:t>dynamic seat visualization or live slot availability. </a:t>
-            </a:r>
-            <a:endParaRPr lang="en-US" sz="2000" kern="100" dirty="0" smtClean="0">
-              <a:solidFill>
-                <a:srgbClr val="000000"/>
-              </a:solidFill>
-              <a:latin typeface="Times New Roman" panose="02020603050405020304" pitchFamily="18" charset="0"/>
-              <a:ea typeface="Calibri" panose="020F0502020204030204" pitchFamily="34" charset="0"/>
-              <a:cs typeface="Times New Roman" panose="02020603050405020304" pitchFamily="18" charset="0"/>
-            </a:endParaRPr>
-          </a:p>
-          <a:p>
-            <a:pPr algn="just">
-              <a:lnSpc>
-                <a:spcPct val="100000"/>
-              </a:lnSpc>
-              <a:spcBef>
-                <a:spcPts val="420"/>
-              </a:spcBef>
-              <a:buClr>
-                <a:schemeClr val="dk1"/>
-              </a:buClr>
-              <a:buSzPts val="2100"/>
-            </a:pPr>
-            <a:endParaRPr lang="en-US" sz="2000" kern="100" dirty="0">
-              <a:solidFill>
-                <a:srgbClr val="000000"/>
-              </a:solidFill>
-              <a:latin typeface="Times New Roman" panose="02020603050405020304" pitchFamily="18" charset="0"/>
-              <a:ea typeface="Calibri" panose="020F0502020204030204" pitchFamily="34" charset="0"/>
-              <a:cs typeface="Times New Roman" panose="02020603050405020304" pitchFamily="18" charset="0"/>
-            </a:endParaRPr>
-          </a:p>
-          <a:p>
-            <a:pPr algn="just">
-              <a:lnSpc>
-                <a:spcPct val="100000"/>
-              </a:lnSpc>
-              <a:spcBef>
-                <a:spcPts val="420"/>
-              </a:spcBef>
-              <a:buClr>
-                <a:schemeClr val="dk1"/>
-              </a:buClr>
-              <a:buSzPts val="2100"/>
-            </a:pPr>
-            <a:r>
-              <a:rPr lang="en-US" sz="2000" kern="100" dirty="0">
-                <a:solidFill>
-                  <a:srgbClr val="000000"/>
-                </a:solidFill>
-                <a:latin typeface="Times New Roman" panose="02020603050405020304" pitchFamily="18" charset="0"/>
-                <a:ea typeface="Calibri" panose="020F0502020204030204" pitchFamily="34" charset="0"/>
-                <a:cs typeface="Times New Roman" panose="02020603050405020304" pitchFamily="18" charset="0"/>
-              </a:rPr>
-              <a:t> </a:t>
-            </a:r>
-            <a:r>
-              <a:rPr lang="en-US" sz="2000" kern="100" dirty="0" smtClean="0">
-                <a:solidFill>
-                  <a:srgbClr val="000000"/>
-                </a:solidFill>
-                <a:latin typeface="Times New Roman" panose="02020603050405020304" pitchFamily="18" charset="0"/>
-                <a:ea typeface="Calibri" panose="020F0502020204030204" pitchFamily="34" charset="0"/>
-                <a:cs typeface="Times New Roman" panose="02020603050405020304" pitchFamily="18" charset="0"/>
-              </a:rPr>
-              <a:t>Based </a:t>
-            </a:r>
-            <a:r>
-              <a:rPr lang="en-US" sz="2000" kern="100" dirty="0">
-                <a:solidFill>
-                  <a:srgbClr val="000000"/>
-                </a:solidFill>
-                <a:latin typeface="Times New Roman" panose="02020603050405020304" pitchFamily="18" charset="0"/>
-                <a:ea typeface="Calibri" panose="020F0502020204030204" pitchFamily="34" charset="0"/>
-                <a:cs typeface="Times New Roman" panose="02020603050405020304" pitchFamily="18" charset="0"/>
-              </a:rPr>
-              <a:t>on these inferences, this Restaurant Seat Booking System with Pre-Food </a:t>
-            </a:r>
-            <a:r>
-              <a:rPr lang="en-US" sz="2000" kern="100" dirty="0" smtClean="0">
-                <a:solidFill>
-                  <a:srgbClr val="000000"/>
-                </a:solidFill>
-                <a:latin typeface="Times New Roman" panose="02020603050405020304" pitchFamily="18" charset="0"/>
-                <a:ea typeface="Calibri" panose="020F0502020204030204" pitchFamily="34" charset="0"/>
-                <a:cs typeface="Times New Roman" panose="02020603050405020304" pitchFamily="18" charset="0"/>
-              </a:rPr>
-              <a:t>Ordering</a:t>
-            </a:r>
-            <a:r>
-              <a:rPr lang="en-US" sz="2000" kern="100" dirty="0">
-                <a:solidFill>
-                  <a:srgbClr val="000000"/>
-                </a:solidFill>
-                <a:latin typeface="Times New Roman" panose="02020603050405020304" pitchFamily="18" charset="0"/>
-                <a:ea typeface="Calibri" panose="020F0502020204030204" pitchFamily="34" charset="0"/>
-                <a:cs typeface="Times New Roman" panose="02020603050405020304" pitchFamily="18" charset="0"/>
-              </a:rPr>
-              <a:t>, Messaging &amp; Premium features (RSBS-PFO-MPF)  </a:t>
-            </a:r>
-            <a:r>
-              <a:rPr lang="en-US" sz="2000" kern="100" dirty="0" smtClean="0">
-                <a:solidFill>
-                  <a:srgbClr val="000000"/>
-                </a:solidFill>
-                <a:latin typeface="Times New Roman" panose="02020603050405020304" pitchFamily="18" charset="0"/>
-                <a:ea typeface="Calibri" panose="020F0502020204030204" pitchFamily="34" charset="0"/>
-                <a:cs typeface="Times New Roman" panose="02020603050405020304" pitchFamily="18" charset="0"/>
-              </a:rPr>
-              <a:t>System</a:t>
-            </a:r>
-            <a:endParaRPr lang="en-US" sz="2000" dirty="0">
-              <a:latin typeface="Bookman Old Style" panose="02050604050505020204" pitchFamily="18" charset="0"/>
-            </a:endParaRPr>
-          </a:p>
-          <a:p>
-            <a:pPr marL="0" indent="0" algn="just">
-              <a:lnSpc>
-                <a:spcPct val="100000"/>
-              </a:lnSpc>
-              <a:spcBef>
-                <a:spcPts val="400"/>
-              </a:spcBef>
-              <a:buClr>
-                <a:schemeClr val="dk1"/>
-              </a:buClr>
-              <a:buSzPts val="2000"/>
-              <a:buNone/>
-            </a:pPr>
             <a:r>
               <a:rPr lang="en-US" sz="2000" dirty="0">
-                <a:solidFill>
-                  <a:schemeClr val="dk1"/>
-                </a:solidFill>
-                <a:latin typeface="Bookman Old Style" panose="02050604050505020204" pitchFamily="18" charset="0"/>
-                <a:ea typeface="Times New Roman"/>
-                <a:cs typeface="Times New Roman"/>
-                <a:sym typeface="Times New Roman"/>
-              </a:rPr>
-              <a:t> </a:t>
-            </a:r>
-            <a:r>
-              <a:rPr lang="en-US" sz="2000" kern="100" dirty="0">
-                <a:solidFill>
-                  <a:srgbClr val="000000"/>
-                </a:solidFill>
-                <a:effectLst/>
-                <a:latin typeface="Times New Roman" panose="02020603050405020304" pitchFamily="18" charset="0"/>
-                <a:ea typeface="Calibri" panose="020F0502020204030204" pitchFamily="34" charset="0"/>
-                <a:cs typeface="Times New Roman" panose="02020603050405020304" pitchFamily="18" charset="0"/>
-              </a:rPr>
-              <a:t> </a:t>
-            </a:r>
-            <a:endParaRPr lang="en-US" sz="2000" dirty="0">
-              <a:latin typeface="Times New Roman" panose="02020603050405020304" pitchFamily="18" charset="0"/>
-              <a:cs typeface="Times New Roman" panose="02020603050405020304" pitchFamily="18" charset="0"/>
-            </a:endParaRPr>
-          </a:p>
-          <a:p>
-            <a:pPr marL="0" indent="0" algn="just">
-              <a:lnSpc>
-                <a:spcPct val="100000"/>
-              </a:lnSpc>
-              <a:spcBef>
-                <a:spcPts val="420"/>
-              </a:spcBef>
-              <a:buClr>
-                <a:schemeClr val="dk1"/>
-              </a:buClr>
-              <a:buSzPts val="2100"/>
-              <a:buNone/>
-            </a:pPr>
-            <a:endParaRPr lang="en-US" sz="2000" dirty="0">
-              <a:latin typeface="Times New Roman" panose="02020603050405020304" pitchFamily="18" charset="0"/>
-              <a:cs typeface="Times New Roman" panose="02020603050405020304" pitchFamily="18" charset="0"/>
-            </a:endParaRPr>
-          </a:p>
-          <a:p>
-            <a:pPr marL="0" indent="0" algn="just">
-              <a:lnSpc>
-                <a:spcPct val="100000"/>
-              </a:lnSpc>
-              <a:spcBef>
-                <a:spcPts val="420"/>
-              </a:spcBef>
-              <a:buClr>
-                <a:schemeClr val="dk1"/>
-              </a:buClr>
-              <a:buSzPts val="2100"/>
-              <a:buNone/>
-            </a:pPr>
-            <a:endParaRPr sz="2000" dirty="0">
-              <a:latin typeface="Times New Roman" panose="02020603050405020304" pitchFamily="18" charset="0"/>
-              <a:cs typeface="Times New Roman" panose="02020603050405020304" pitchFamily="18" charset="0"/>
-            </a:endParaRPr>
+                <a:latin typeface="Times New Roman" panose="02020603050405020304" pitchFamily="18" charset="0"/>
+                <a:cs typeface="Times New Roman" panose="02020603050405020304" pitchFamily="18" charset="0"/>
+              </a:rPr>
+              <a:t>The IJACSA paper identifies the potential of cloud and mobile integration in enabling real-time restaurant bookings. However, it lacks advanced interactivity. </a:t>
+            </a:r>
+            <a:r>
+              <a:rPr lang="en-US" sz="2000" b="1" dirty="0">
+                <a:latin typeface="Times New Roman" panose="02020603050405020304" pitchFamily="18" charset="0"/>
+                <a:cs typeface="Times New Roman" panose="02020603050405020304" pitchFamily="18" charset="0"/>
+              </a:rPr>
+              <a:t>Smart Restaurant Seat Booking System (SRSB)</a:t>
+            </a:r>
+            <a:r>
+              <a:rPr lang="en-US" sz="2000" dirty="0">
+                <a:latin typeface="Times New Roman" panose="02020603050405020304" pitchFamily="18" charset="0"/>
+                <a:cs typeface="Times New Roman" panose="02020603050405020304" pitchFamily="18" charset="0"/>
+              </a:rPr>
+              <a:t> builds upon this by incorporating dynamic seat visualization, premium/non-premium selection, and real-time seat availability updates to enhance user engagement.</a:t>
+            </a:r>
+          </a:p>
+          <a:p>
+            <a:r>
+              <a:rPr lang="en-US" sz="2000" dirty="0">
+                <a:latin typeface="Times New Roman" panose="02020603050405020304" pitchFamily="18" charset="0"/>
+                <a:cs typeface="Times New Roman" panose="02020603050405020304" pitchFamily="18" charset="0"/>
+              </a:rPr>
+              <a:t>The IJCA paper highlights effective location-based restaurant recommendations using GPS, but does not address reservation or order management. </a:t>
+            </a:r>
+            <a:r>
+              <a:rPr lang="en-US" sz="2000" b="1" dirty="0">
+                <a:latin typeface="Times New Roman" panose="02020603050405020304" pitchFamily="18" charset="0"/>
+                <a:cs typeface="Times New Roman" panose="02020603050405020304" pitchFamily="18" charset="0"/>
+              </a:rPr>
+              <a:t>SRSB</a:t>
+            </a:r>
+            <a:r>
+              <a:rPr lang="en-US" sz="2000" dirty="0">
+                <a:latin typeface="Times New Roman" panose="02020603050405020304" pitchFamily="18" charset="0"/>
+                <a:cs typeface="Times New Roman" panose="02020603050405020304" pitchFamily="18" charset="0"/>
+              </a:rPr>
+              <a:t> bridges this gap by combining location-aware discovery with seamless reservation handling, seat selection, and pre-arrival food ordering for a full-cycle customer experience.</a:t>
+            </a:r>
+          </a:p>
+          <a:p>
+            <a:r>
+              <a:rPr lang="en-US" sz="2000" dirty="0">
+                <a:latin typeface="Times New Roman" panose="02020603050405020304" pitchFamily="18" charset="0"/>
+                <a:cs typeface="Times New Roman" panose="02020603050405020304" pitchFamily="18" charset="0"/>
+              </a:rPr>
+              <a:t>The IEEE Access paper demonstrates AI’s role in predicting reservation trends for efficiency during peak hours. However, it lacks integration of customer-facing features. </a:t>
+            </a:r>
+            <a:r>
+              <a:rPr lang="en-US" sz="2000" b="1" dirty="0">
+                <a:latin typeface="Times New Roman" panose="02020603050405020304" pitchFamily="18" charset="0"/>
+                <a:cs typeface="Times New Roman" panose="02020603050405020304" pitchFamily="18" charset="0"/>
+              </a:rPr>
+              <a:t>SRSB</a:t>
+            </a:r>
+            <a:r>
+              <a:rPr lang="en-US" sz="2000" dirty="0">
+                <a:latin typeface="Times New Roman" panose="02020603050405020304" pitchFamily="18" charset="0"/>
+                <a:cs typeface="Times New Roman" panose="02020603050405020304" pitchFamily="18" charset="0"/>
+              </a:rPr>
+              <a:t> extends this concept with smart slot management, user loyalty rewards, and real-time communication (via email/SMS), delivering both operational efficiency and customer satisfaction.</a:t>
+            </a:r>
           </a:p>
         </p:txBody>
       </p:sp>
@@ -18141,7 +17338,7 @@
             </a:pPr>
             <a:fld id="{C1CCB34D-D996-44C5-AFFF-C82B404A92B7}" type="datetime1">
               <a:rPr lang="en-US" smtClean="0"/>
-              <a:t>5/15/2025</a:t>
+              <a:t>6/10/2025</a:t>
             </a:fld>
             <a:endParaRPr dirty="0"/>
           </a:p>
@@ -18363,7 +17560,7 @@
                 <a:cs typeface="Arial"/>
                 <a:sym typeface="Arial"/>
               </a:rPr>
-              <a:t>5/15/2025</a:t>
+              <a:t>6/10/2025</a:t>
             </a:fld>
             <a:endParaRPr sz="1200" b="0" i="0" u="none" strike="noStrike" cap="none">
               <a:solidFill>
@@ -18664,7 +17861,7 @@
                 <a:cs typeface="Arial"/>
                 <a:sym typeface="Arial"/>
               </a:rPr>
-              <a:t>5/15/2025</a:t>
+              <a:t>6/10/2025</a:t>
             </a:fld>
             <a:endParaRPr sz="1200" b="0" i="0" u="none" strike="noStrike" cap="none" dirty="0">
               <a:solidFill>
